--- a/figures/RedYellowGreen2.pptx
+++ b/figures/RedYellowGreen2.pptx
@@ -139,7 +139,17 @@
   <c:chart>
     <c:autoTitleDeleted val="1"/>
     <c:plotArea>
-      <c:layout/>
+      <c:layout>
+        <c:manualLayout>
+          <c:layoutTarget val="inner"/>
+          <c:xMode val="edge"/>
+          <c:yMode val="edge"/>
+          <c:x val="0.18517628056761873"/>
+          <c:y val="0.17108879239519961"/>
+          <c:w val="0.60208794066377536"/>
+          <c:h val="0.80669704285764687"/>
+        </c:manualLayout>
+      </c:layout>
       <c:radarChart>
         <c:radarStyle val="marker"/>
         <c:varyColors val="0"/>
@@ -298,6 +308,1050 @@
           <c:extLst>
             <c:ext xmlns:c16="http://schemas.microsoft.com/office/drawing/2014/chart" uri="{C3380CC4-5D6E-409C-BE32-E72D297353CC}">
               <c16:uniqueId val="{00000001-4919-A444-8F55-BD3F0B8361D1}"/>
+            </c:ext>
+          </c:extLst>
+        </c:ser>
+        <c:dLbls>
+          <c:showLegendKey val="0"/>
+          <c:showVal val="0"/>
+          <c:showCatName val="0"/>
+          <c:showSerName val="0"/>
+          <c:showPercent val="0"/>
+          <c:showBubbleSize val="0"/>
+        </c:dLbls>
+        <c:axId val="1845370847"/>
+        <c:axId val="1845372479"/>
+      </c:radarChart>
+      <c:catAx>
+        <c:axId val="1845370847"/>
+        <c:scaling>
+          <c:orientation val="minMax"/>
+        </c:scaling>
+        <c:delete val="0"/>
+        <c:axPos val="b"/>
+        <c:numFmt formatCode="General" sourceLinked="1"/>
+        <c:majorTickMark val="none"/>
+        <c:minorTickMark val="none"/>
+        <c:tickLblPos val="nextTo"/>
+        <c:spPr>
+          <a:noFill/>
+          <a:ln w="9525" cap="flat" cmpd="sng" algn="ctr">
+            <a:solidFill>
+              <a:schemeClr val="tx1">
+                <a:lumMod val="15000"/>
+                <a:lumOff val="85000"/>
+              </a:schemeClr>
+            </a:solidFill>
+            <a:round/>
+          </a:ln>
+          <a:effectLst/>
+        </c:spPr>
+        <c:txPr>
+          <a:bodyPr rot="-60000000" spcFirstLastPara="1" vertOverflow="ellipsis" vert="horz" wrap="square" anchor="ctr" anchorCtr="1"/>
+          <a:lstStyle/>
+          <a:p>
+            <a:pPr>
+              <a:defRPr sz="1197" b="0" i="0" u="none" strike="noStrike" kern="1200" baseline="0">
+                <a:solidFill>
+                  <a:schemeClr val="tx1">
+                    <a:lumMod val="50000"/>
+                    <a:lumOff val="50000"/>
+                  </a:schemeClr>
+                </a:solidFill>
+                <a:latin typeface="+mn-lt"/>
+                <a:ea typeface="+mn-ea"/>
+                <a:cs typeface="+mn-cs"/>
+              </a:defRPr>
+            </a:pPr>
+            <a:endParaRPr lang="en-US"/>
+          </a:p>
+        </c:txPr>
+        <c:crossAx val="1845372479"/>
+        <c:crosses val="autoZero"/>
+        <c:auto val="1"/>
+        <c:lblAlgn val="ctr"/>
+        <c:lblOffset val="100"/>
+        <c:noMultiLvlLbl val="0"/>
+      </c:catAx>
+      <c:valAx>
+        <c:axId val="1845372479"/>
+        <c:scaling>
+          <c:orientation val="minMax"/>
+        </c:scaling>
+        <c:delete val="0"/>
+        <c:axPos val="l"/>
+        <c:majorGridlines>
+          <c:spPr>
+            <a:ln w="9525" cap="flat" cmpd="sng" algn="ctr">
+              <a:solidFill>
+                <a:schemeClr val="tx1">
+                  <a:lumMod val="15000"/>
+                  <a:lumOff val="85000"/>
+                </a:schemeClr>
+              </a:solidFill>
+              <a:round/>
+            </a:ln>
+            <a:effectLst/>
+          </c:spPr>
+        </c:majorGridlines>
+        <c:numFmt formatCode="General" sourceLinked="1"/>
+        <c:majorTickMark val="none"/>
+        <c:minorTickMark val="none"/>
+        <c:tickLblPos val="nextTo"/>
+        <c:spPr>
+          <a:noFill/>
+          <a:ln>
+            <a:noFill/>
+          </a:ln>
+          <a:effectLst/>
+        </c:spPr>
+        <c:txPr>
+          <a:bodyPr rot="-60000000" spcFirstLastPara="1" vertOverflow="ellipsis" vert="horz" wrap="square" anchor="ctr" anchorCtr="1"/>
+          <a:lstStyle/>
+          <a:p>
+            <a:pPr>
+              <a:defRPr sz="1197" b="0" i="0" u="none" strike="noStrike" kern="1200" baseline="0">
+                <a:solidFill>
+                  <a:schemeClr val="tx1">
+                    <a:lumMod val="50000"/>
+                    <a:lumOff val="50000"/>
+                  </a:schemeClr>
+                </a:solidFill>
+                <a:latin typeface="+mn-lt"/>
+                <a:ea typeface="+mn-ea"/>
+                <a:cs typeface="+mn-cs"/>
+              </a:defRPr>
+            </a:pPr>
+            <a:endParaRPr lang="en-US"/>
+          </a:p>
+        </c:txPr>
+        <c:crossAx val="1845370847"/>
+        <c:crosses val="autoZero"/>
+        <c:crossBetween val="between"/>
+      </c:valAx>
+      <c:spPr>
+        <a:noFill/>
+        <a:ln>
+          <a:noFill/>
+        </a:ln>
+        <a:effectLst/>
+      </c:spPr>
+    </c:plotArea>
+    <c:plotVisOnly val="1"/>
+    <c:dispBlanksAs val="gap"/>
+    <c:extLst>
+      <c:ext xmlns:c16r3="http://schemas.microsoft.com/office/drawing/2017/03/chart" uri="{56B9EC1D-385E-4148-901F-78D8002777C0}">
+        <c16r3:dataDisplayOptions16>
+          <c16r3:dispNaAsBlank val="1"/>
+        </c16r3:dataDisplayOptions16>
+      </c:ext>
+    </c:extLst>
+    <c:showDLblsOverMax val="0"/>
+  </c:chart>
+  <c:spPr>
+    <a:noFill/>
+    <a:ln>
+      <a:noFill/>
+    </a:ln>
+    <a:effectLst/>
+  </c:spPr>
+  <c:txPr>
+    <a:bodyPr/>
+    <a:lstStyle/>
+    <a:p>
+      <a:pPr>
+        <a:defRPr/>
+      </a:pPr>
+      <a:endParaRPr lang="en-US"/>
+    </a:p>
+  </c:txPr>
+  <c:externalData r:id="rId3">
+    <c:autoUpdate val="0"/>
+  </c:externalData>
+</c:chartSpace>
+</file>
+
+<file path=ppt/charts/chart2.xml><?xml version="1.0" encoding="utf-8"?>
+<c:chartSpace xmlns:c="http://schemas.openxmlformats.org/drawingml/2006/chart" xmlns:a="http://schemas.openxmlformats.org/drawingml/2006/main" xmlns:r="http://schemas.openxmlformats.org/officeDocument/2006/relationships" xmlns:c16r2="http://schemas.microsoft.com/office/drawing/2015/06/chart">
+  <c:date1904 val="0"/>
+  <c:lang val="en-US"/>
+  <c:roundedCorners val="0"/>
+  <mc:AlternateContent xmlns:mc="http://schemas.openxmlformats.org/markup-compatibility/2006">
+    <mc:Choice xmlns:c14="http://schemas.microsoft.com/office/drawing/2007/8/2/chart" Requires="c14">
+      <c14:style val="102"/>
+    </mc:Choice>
+    <mc:Fallback>
+      <c:style val="2"/>
+    </mc:Fallback>
+  </mc:AlternateContent>
+  <c:chart>
+    <c:autoTitleDeleted val="1"/>
+    <c:plotArea>
+      <c:layout>
+        <c:manualLayout>
+          <c:layoutTarget val="inner"/>
+          <c:xMode val="edge"/>
+          <c:yMode val="edge"/>
+          <c:x val="0.18517628056761873"/>
+          <c:y val="0.17108879239519961"/>
+          <c:w val="0.60208794066377536"/>
+          <c:h val="0.80669704285764687"/>
+        </c:manualLayout>
+      </c:layout>
+      <c:radarChart>
+        <c:radarStyle val="marker"/>
+        <c:varyColors val="0"/>
+        <c:ser>
+          <c:idx val="0"/>
+          <c:order val="0"/>
+          <c:tx>
+            <c:strRef>
+              <c:f>Sheet1!$B$1</c:f>
+              <c:strCache>
+                <c:ptCount val="1"/>
+                <c:pt idx="0">
+                  <c:v>Series 1</c:v>
+                </c:pt>
+              </c:strCache>
+            </c:strRef>
+          </c:tx>
+          <c:spPr>
+            <a:ln w="25400" cap="rnd">
+              <a:solidFill>
+                <a:srgbClr val="00B050"/>
+              </a:solidFill>
+              <a:round/>
+            </a:ln>
+            <a:effectLst/>
+          </c:spPr>
+          <c:marker>
+            <c:symbol val="none"/>
+          </c:marker>
+          <c:cat>
+            <c:strRef>
+              <c:f>Sheet1!$A$2:$A$6</c:f>
+              <c:strCache>
+                <c:ptCount val="5"/>
+                <c:pt idx="0">
+                  <c:v>Index 1</c:v>
+                </c:pt>
+                <c:pt idx="1">
+                  <c:v>Index 2</c:v>
+                </c:pt>
+                <c:pt idx="2">
+                  <c:v>Index 3</c:v>
+                </c:pt>
+                <c:pt idx="3">
+                  <c:v>Index 4</c:v>
+                </c:pt>
+                <c:pt idx="4">
+                  <c:v>Index 5</c:v>
+                </c:pt>
+              </c:strCache>
+            </c:strRef>
+          </c:cat>
+          <c:val>
+            <c:numRef>
+              <c:f>Sheet1!$B$2:$B$6</c:f>
+              <c:numCache>
+                <c:formatCode>General</c:formatCode>
+                <c:ptCount val="5"/>
+                <c:pt idx="0">
+                  <c:v>14</c:v>
+                </c:pt>
+                <c:pt idx="1">
+                  <c:v>18</c:v>
+                </c:pt>
+                <c:pt idx="2">
+                  <c:v>10</c:v>
+                </c:pt>
+                <c:pt idx="3">
+                  <c:v>12</c:v>
+                </c:pt>
+                <c:pt idx="4">
+                  <c:v>15</c:v>
+                </c:pt>
+              </c:numCache>
+            </c:numRef>
+          </c:val>
+          <c:extLst>
+            <c:ext xmlns:c16="http://schemas.microsoft.com/office/drawing/2014/chart" uri="{C3380CC4-5D6E-409C-BE32-E72D297353CC}">
+              <c16:uniqueId val="{00000000-AB76-D143-88EA-F82C49329F63}"/>
+            </c:ext>
+          </c:extLst>
+        </c:ser>
+        <c:ser>
+          <c:idx val="1"/>
+          <c:order val="1"/>
+          <c:tx>
+            <c:strRef>
+              <c:f>Sheet1!$C$1</c:f>
+              <c:strCache>
+                <c:ptCount val="1"/>
+                <c:pt idx="0">
+                  <c:v>Series 2</c:v>
+                </c:pt>
+              </c:strCache>
+            </c:strRef>
+          </c:tx>
+          <c:spPr>
+            <a:ln w="25400" cap="rnd">
+              <a:solidFill>
+                <a:srgbClr val="FF0000"/>
+              </a:solidFill>
+              <a:round/>
+            </a:ln>
+            <a:effectLst/>
+          </c:spPr>
+          <c:marker>
+            <c:symbol val="none"/>
+          </c:marker>
+          <c:cat>
+            <c:strRef>
+              <c:f>Sheet1!$A$2:$A$6</c:f>
+              <c:strCache>
+                <c:ptCount val="5"/>
+                <c:pt idx="0">
+                  <c:v>Index 1</c:v>
+                </c:pt>
+                <c:pt idx="1">
+                  <c:v>Index 2</c:v>
+                </c:pt>
+                <c:pt idx="2">
+                  <c:v>Index 3</c:v>
+                </c:pt>
+                <c:pt idx="3">
+                  <c:v>Index 4</c:v>
+                </c:pt>
+                <c:pt idx="4">
+                  <c:v>Index 5</c:v>
+                </c:pt>
+              </c:strCache>
+            </c:strRef>
+          </c:cat>
+          <c:val>
+            <c:numRef>
+              <c:f>Sheet1!$C$2:$C$6</c:f>
+              <c:numCache>
+                <c:formatCode>General</c:formatCode>
+                <c:ptCount val="5"/>
+                <c:pt idx="0">
+                  <c:v>33</c:v>
+                </c:pt>
+                <c:pt idx="1">
+                  <c:v>32</c:v>
+                </c:pt>
+                <c:pt idx="2">
+                  <c:v>38</c:v>
+                </c:pt>
+                <c:pt idx="3">
+                  <c:v>29</c:v>
+                </c:pt>
+                <c:pt idx="4">
+                  <c:v>28</c:v>
+                </c:pt>
+              </c:numCache>
+            </c:numRef>
+          </c:val>
+          <c:extLst>
+            <c:ext xmlns:c16="http://schemas.microsoft.com/office/drawing/2014/chart" uri="{C3380CC4-5D6E-409C-BE32-E72D297353CC}">
+              <c16:uniqueId val="{00000001-AB76-D143-88EA-F82C49329F63}"/>
+            </c:ext>
+          </c:extLst>
+        </c:ser>
+        <c:dLbls>
+          <c:showLegendKey val="0"/>
+          <c:showVal val="0"/>
+          <c:showCatName val="0"/>
+          <c:showSerName val="0"/>
+          <c:showPercent val="0"/>
+          <c:showBubbleSize val="0"/>
+        </c:dLbls>
+        <c:axId val="1845370847"/>
+        <c:axId val="1845372479"/>
+      </c:radarChart>
+      <c:catAx>
+        <c:axId val="1845370847"/>
+        <c:scaling>
+          <c:orientation val="minMax"/>
+        </c:scaling>
+        <c:delete val="0"/>
+        <c:axPos val="b"/>
+        <c:numFmt formatCode="General" sourceLinked="1"/>
+        <c:majorTickMark val="none"/>
+        <c:minorTickMark val="none"/>
+        <c:tickLblPos val="nextTo"/>
+        <c:spPr>
+          <a:noFill/>
+          <a:ln w="9525" cap="flat" cmpd="sng" algn="ctr">
+            <a:solidFill>
+              <a:schemeClr val="tx1">
+                <a:lumMod val="15000"/>
+                <a:lumOff val="85000"/>
+              </a:schemeClr>
+            </a:solidFill>
+            <a:round/>
+          </a:ln>
+          <a:effectLst/>
+        </c:spPr>
+        <c:txPr>
+          <a:bodyPr rot="-60000000" spcFirstLastPara="1" vertOverflow="ellipsis" vert="horz" wrap="square" anchor="ctr" anchorCtr="1"/>
+          <a:lstStyle/>
+          <a:p>
+            <a:pPr>
+              <a:defRPr sz="1197" b="0" i="0" u="none" strike="noStrike" kern="1200" baseline="0">
+                <a:solidFill>
+                  <a:schemeClr val="tx1">
+                    <a:lumMod val="50000"/>
+                    <a:lumOff val="50000"/>
+                  </a:schemeClr>
+                </a:solidFill>
+                <a:latin typeface="+mn-lt"/>
+                <a:ea typeface="+mn-ea"/>
+                <a:cs typeface="+mn-cs"/>
+              </a:defRPr>
+            </a:pPr>
+            <a:endParaRPr lang="en-US"/>
+          </a:p>
+        </c:txPr>
+        <c:crossAx val="1845372479"/>
+        <c:crosses val="autoZero"/>
+        <c:auto val="1"/>
+        <c:lblAlgn val="ctr"/>
+        <c:lblOffset val="100"/>
+        <c:noMultiLvlLbl val="0"/>
+      </c:catAx>
+      <c:valAx>
+        <c:axId val="1845372479"/>
+        <c:scaling>
+          <c:orientation val="minMax"/>
+        </c:scaling>
+        <c:delete val="0"/>
+        <c:axPos val="l"/>
+        <c:majorGridlines>
+          <c:spPr>
+            <a:ln w="9525" cap="flat" cmpd="sng" algn="ctr">
+              <a:solidFill>
+                <a:schemeClr val="tx1">
+                  <a:lumMod val="15000"/>
+                  <a:lumOff val="85000"/>
+                </a:schemeClr>
+              </a:solidFill>
+              <a:round/>
+            </a:ln>
+            <a:effectLst/>
+          </c:spPr>
+        </c:majorGridlines>
+        <c:numFmt formatCode="General" sourceLinked="1"/>
+        <c:majorTickMark val="none"/>
+        <c:minorTickMark val="none"/>
+        <c:tickLblPos val="nextTo"/>
+        <c:spPr>
+          <a:noFill/>
+          <a:ln>
+            <a:noFill/>
+          </a:ln>
+          <a:effectLst/>
+        </c:spPr>
+        <c:txPr>
+          <a:bodyPr rot="-60000000" spcFirstLastPara="1" vertOverflow="ellipsis" vert="horz" wrap="square" anchor="ctr" anchorCtr="1"/>
+          <a:lstStyle/>
+          <a:p>
+            <a:pPr>
+              <a:defRPr sz="1197" b="0" i="0" u="none" strike="noStrike" kern="1200" baseline="0">
+                <a:solidFill>
+                  <a:schemeClr val="tx1">
+                    <a:lumMod val="50000"/>
+                    <a:lumOff val="50000"/>
+                  </a:schemeClr>
+                </a:solidFill>
+                <a:latin typeface="+mn-lt"/>
+                <a:ea typeface="+mn-ea"/>
+                <a:cs typeface="+mn-cs"/>
+              </a:defRPr>
+            </a:pPr>
+            <a:endParaRPr lang="en-US"/>
+          </a:p>
+        </c:txPr>
+        <c:crossAx val="1845370847"/>
+        <c:crosses val="autoZero"/>
+        <c:crossBetween val="between"/>
+      </c:valAx>
+      <c:spPr>
+        <a:noFill/>
+        <a:ln>
+          <a:noFill/>
+        </a:ln>
+        <a:effectLst/>
+      </c:spPr>
+    </c:plotArea>
+    <c:plotVisOnly val="1"/>
+    <c:dispBlanksAs val="gap"/>
+    <c:extLst>
+      <c:ext xmlns:c16r3="http://schemas.microsoft.com/office/drawing/2017/03/chart" uri="{56B9EC1D-385E-4148-901F-78D8002777C0}">
+        <c16r3:dataDisplayOptions16>
+          <c16r3:dispNaAsBlank val="1"/>
+        </c16r3:dataDisplayOptions16>
+      </c:ext>
+    </c:extLst>
+    <c:showDLblsOverMax val="0"/>
+  </c:chart>
+  <c:spPr>
+    <a:noFill/>
+    <a:ln>
+      <a:noFill/>
+    </a:ln>
+    <a:effectLst/>
+  </c:spPr>
+  <c:txPr>
+    <a:bodyPr/>
+    <a:lstStyle/>
+    <a:p>
+      <a:pPr>
+        <a:defRPr/>
+      </a:pPr>
+      <a:endParaRPr lang="en-US"/>
+    </a:p>
+  </c:txPr>
+  <c:externalData r:id="rId3">
+    <c:autoUpdate val="0"/>
+  </c:externalData>
+</c:chartSpace>
+</file>
+
+<file path=ppt/charts/chart3.xml><?xml version="1.0" encoding="utf-8"?>
+<c:chartSpace xmlns:c="http://schemas.openxmlformats.org/drawingml/2006/chart" xmlns:a="http://schemas.openxmlformats.org/drawingml/2006/main" xmlns:r="http://schemas.openxmlformats.org/officeDocument/2006/relationships" xmlns:c16r2="http://schemas.microsoft.com/office/drawing/2015/06/chart">
+  <c:date1904 val="0"/>
+  <c:lang val="en-US"/>
+  <c:roundedCorners val="0"/>
+  <mc:AlternateContent xmlns:mc="http://schemas.openxmlformats.org/markup-compatibility/2006">
+    <mc:Choice xmlns:c14="http://schemas.microsoft.com/office/drawing/2007/8/2/chart" Requires="c14">
+      <c14:style val="102"/>
+    </mc:Choice>
+    <mc:Fallback>
+      <c:style val="2"/>
+    </mc:Fallback>
+  </mc:AlternateContent>
+  <c:chart>
+    <c:autoTitleDeleted val="1"/>
+    <c:plotArea>
+      <c:layout>
+        <c:manualLayout>
+          <c:layoutTarget val="inner"/>
+          <c:xMode val="edge"/>
+          <c:yMode val="edge"/>
+          <c:x val="0.18517628056761873"/>
+          <c:y val="0.17108879239519961"/>
+          <c:w val="0.60208794066377536"/>
+          <c:h val="0.80669704285764687"/>
+        </c:manualLayout>
+      </c:layout>
+      <c:radarChart>
+        <c:radarStyle val="marker"/>
+        <c:varyColors val="0"/>
+        <c:ser>
+          <c:idx val="0"/>
+          <c:order val="0"/>
+          <c:tx>
+            <c:strRef>
+              <c:f>Sheet1!$B$1</c:f>
+              <c:strCache>
+                <c:ptCount val="1"/>
+                <c:pt idx="0">
+                  <c:v>Series 1</c:v>
+                </c:pt>
+              </c:strCache>
+            </c:strRef>
+          </c:tx>
+          <c:spPr>
+            <a:ln w="25400" cap="rnd">
+              <a:solidFill>
+                <a:srgbClr val="00B050"/>
+              </a:solidFill>
+              <a:round/>
+            </a:ln>
+            <a:effectLst/>
+          </c:spPr>
+          <c:marker>
+            <c:symbol val="none"/>
+          </c:marker>
+          <c:cat>
+            <c:strRef>
+              <c:f>Sheet1!$A$2:$A$6</c:f>
+              <c:strCache>
+                <c:ptCount val="5"/>
+                <c:pt idx="0">
+                  <c:v>Index 1</c:v>
+                </c:pt>
+                <c:pt idx="1">
+                  <c:v>Index 2</c:v>
+                </c:pt>
+                <c:pt idx="2">
+                  <c:v>Index 3</c:v>
+                </c:pt>
+                <c:pt idx="3">
+                  <c:v>Index 4</c:v>
+                </c:pt>
+                <c:pt idx="4">
+                  <c:v>Index 5</c:v>
+                </c:pt>
+              </c:strCache>
+            </c:strRef>
+          </c:cat>
+          <c:val>
+            <c:numRef>
+              <c:f>Sheet1!$B$2:$B$6</c:f>
+              <c:numCache>
+                <c:formatCode>General</c:formatCode>
+                <c:ptCount val="5"/>
+                <c:pt idx="0">
+                  <c:v>14</c:v>
+                </c:pt>
+                <c:pt idx="1">
+                  <c:v>18</c:v>
+                </c:pt>
+                <c:pt idx="2">
+                  <c:v>10</c:v>
+                </c:pt>
+                <c:pt idx="3">
+                  <c:v>12</c:v>
+                </c:pt>
+                <c:pt idx="4">
+                  <c:v>15</c:v>
+                </c:pt>
+              </c:numCache>
+            </c:numRef>
+          </c:val>
+          <c:extLst>
+            <c:ext xmlns:c16="http://schemas.microsoft.com/office/drawing/2014/chart" uri="{C3380CC4-5D6E-409C-BE32-E72D297353CC}">
+              <c16:uniqueId val="{00000000-D35B-074A-A0B1-BDBDCC911E31}"/>
+            </c:ext>
+          </c:extLst>
+        </c:ser>
+        <c:ser>
+          <c:idx val="1"/>
+          <c:order val="1"/>
+          <c:tx>
+            <c:strRef>
+              <c:f>Sheet1!$C$1</c:f>
+              <c:strCache>
+                <c:ptCount val="1"/>
+                <c:pt idx="0">
+                  <c:v>Series 2</c:v>
+                </c:pt>
+              </c:strCache>
+            </c:strRef>
+          </c:tx>
+          <c:spPr>
+            <a:ln w="25400" cap="rnd">
+              <a:solidFill>
+                <a:srgbClr val="FF0000"/>
+              </a:solidFill>
+              <a:round/>
+            </a:ln>
+            <a:effectLst/>
+          </c:spPr>
+          <c:marker>
+            <c:symbol val="none"/>
+          </c:marker>
+          <c:cat>
+            <c:strRef>
+              <c:f>Sheet1!$A$2:$A$6</c:f>
+              <c:strCache>
+                <c:ptCount val="5"/>
+                <c:pt idx="0">
+                  <c:v>Index 1</c:v>
+                </c:pt>
+                <c:pt idx="1">
+                  <c:v>Index 2</c:v>
+                </c:pt>
+                <c:pt idx="2">
+                  <c:v>Index 3</c:v>
+                </c:pt>
+                <c:pt idx="3">
+                  <c:v>Index 4</c:v>
+                </c:pt>
+                <c:pt idx="4">
+                  <c:v>Index 5</c:v>
+                </c:pt>
+              </c:strCache>
+            </c:strRef>
+          </c:cat>
+          <c:val>
+            <c:numRef>
+              <c:f>Sheet1!$C$2:$C$6</c:f>
+              <c:numCache>
+                <c:formatCode>General</c:formatCode>
+                <c:ptCount val="5"/>
+                <c:pt idx="0">
+                  <c:v>33</c:v>
+                </c:pt>
+                <c:pt idx="1">
+                  <c:v>32</c:v>
+                </c:pt>
+                <c:pt idx="2">
+                  <c:v>38</c:v>
+                </c:pt>
+                <c:pt idx="3">
+                  <c:v>29</c:v>
+                </c:pt>
+                <c:pt idx="4">
+                  <c:v>28</c:v>
+                </c:pt>
+              </c:numCache>
+            </c:numRef>
+          </c:val>
+          <c:extLst>
+            <c:ext xmlns:c16="http://schemas.microsoft.com/office/drawing/2014/chart" uri="{C3380CC4-5D6E-409C-BE32-E72D297353CC}">
+              <c16:uniqueId val="{00000001-D35B-074A-A0B1-BDBDCC911E31}"/>
+            </c:ext>
+          </c:extLst>
+        </c:ser>
+        <c:dLbls>
+          <c:showLegendKey val="0"/>
+          <c:showVal val="0"/>
+          <c:showCatName val="0"/>
+          <c:showSerName val="0"/>
+          <c:showPercent val="0"/>
+          <c:showBubbleSize val="0"/>
+        </c:dLbls>
+        <c:axId val="1845370847"/>
+        <c:axId val="1845372479"/>
+      </c:radarChart>
+      <c:catAx>
+        <c:axId val="1845370847"/>
+        <c:scaling>
+          <c:orientation val="minMax"/>
+        </c:scaling>
+        <c:delete val="0"/>
+        <c:axPos val="b"/>
+        <c:numFmt formatCode="General" sourceLinked="1"/>
+        <c:majorTickMark val="none"/>
+        <c:minorTickMark val="none"/>
+        <c:tickLblPos val="nextTo"/>
+        <c:spPr>
+          <a:noFill/>
+          <a:ln w="9525" cap="flat" cmpd="sng" algn="ctr">
+            <a:solidFill>
+              <a:schemeClr val="tx1">
+                <a:lumMod val="15000"/>
+                <a:lumOff val="85000"/>
+              </a:schemeClr>
+            </a:solidFill>
+            <a:round/>
+          </a:ln>
+          <a:effectLst/>
+        </c:spPr>
+        <c:txPr>
+          <a:bodyPr rot="-60000000" spcFirstLastPara="1" vertOverflow="ellipsis" vert="horz" wrap="square" anchor="ctr" anchorCtr="1"/>
+          <a:lstStyle/>
+          <a:p>
+            <a:pPr>
+              <a:defRPr sz="1197" b="0" i="0" u="none" strike="noStrike" kern="1200" baseline="0">
+                <a:solidFill>
+                  <a:schemeClr val="tx1">
+                    <a:lumMod val="50000"/>
+                    <a:lumOff val="50000"/>
+                  </a:schemeClr>
+                </a:solidFill>
+                <a:latin typeface="+mn-lt"/>
+                <a:ea typeface="+mn-ea"/>
+                <a:cs typeface="+mn-cs"/>
+              </a:defRPr>
+            </a:pPr>
+            <a:endParaRPr lang="en-US"/>
+          </a:p>
+        </c:txPr>
+        <c:crossAx val="1845372479"/>
+        <c:crosses val="autoZero"/>
+        <c:auto val="1"/>
+        <c:lblAlgn val="ctr"/>
+        <c:lblOffset val="100"/>
+        <c:noMultiLvlLbl val="0"/>
+      </c:catAx>
+      <c:valAx>
+        <c:axId val="1845372479"/>
+        <c:scaling>
+          <c:orientation val="minMax"/>
+        </c:scaling>
+        <c:delete val="0"/>
+        <c:axPos val="l"/>
+        <c:majorGridlines>
+          <c:spPr>
+            <a:ln w="9525" cap="flat" cmpd="sng" algn="ctr">
+              <a:solidFill>
+                <a:schemeClr val="tx1">
+                  <a:lumMod val="15000"/>
+                  <a:lumOff val="85000"/>
+                </a:schemeClr>
+              </a:solidFill>
+              <a:round/>
+            </a:ln>
+            <a:effectLst/>
+          </c:spPr>
+        </c:majorGridlines>
+        <c:numFmt formatCode="General" sourceLinked="1"/>
+        <c:majorTickMark val="none"/>
+        <c:minorTickMark val="none"/>
+        <c:tickLblPos val="nextTo"/>
+        <c:spPr>
+          <a:noFill/>
+          <a:ln>
+            <a:noFill/>
+          </a:ln>
+          <a:effectLst/>
+        </c:spPr>
+        <c:txPr>
+          <a:bodyPr rot="-60000000" spcFirstLastPara="1" vertOverflow="ellipsis" vert="horz" wrap="square" anchor="ctr" anchorCtr="1"/>
+          <a:lstStyle/>
+          <a:p>
+            <a:pPr>
+              <a:defRPr sz="1197" b="0" i="0" u="none" strike="noStrike" kern="1200" baseline="0">
+                <a:solidFill>
+                  <a:schemeClr val="tx1">
+                    <a:lumMod val="50000"/>
+                    <a:lumOff val="50000"/>
+                  </a:schemeClr>
+                </a:solidFill>
+                <a:latin typeface="+mn-lt"/>
+                <a:ea typeface="+mn-ea"/>
+                <a:cs typeface="+mn-cs"/>
+              </a:defRPr>
+            </a:pPr>
+            <a:endParaRPr lang="en-US"/>
+          </a:p>
+        </c:txPr>
+        <c:crossAx val="1845370847"/>
+        <c:crosses val="autoZero"/>
+        <c:crossBetween val="between"/>
+      </c:valAx>
+      <c:spPr>
+        <a:noFill/>
+        <a:ln>
+          <a:noFill/>
+        </a:ln>
+        <a:effectLst/>
+      </c:spPr>
+    </c:plotArea>
+    <c:plotVisOnly val="1"/>
+    <c:dispBlanksAs val="gap"/>
+    <c:extLst>
+      <c:ext xmlns:c16r3="http://schemas.microsoft.com/office/drawing/2017/03/chart" uri="{56B9EC1D-385E-4148-901F-78D8002777C0}">
+        <c16r3:dataDisplayOptions16>
+          <c16r3:dispNaAsBlank val="1"/>
+        </c16r3:dataDisplayOptions16>
+      </c:ext>
+    </c:extLst>
+    <c:showDLblsOverMax val="0"/>
+  </c:chart>
+  <c:spPr>
+    <a:noFill/>
+    <a:ln>
+      <a:noFill/>
+    </a:ln>
+    <a:effectLst/>
+  </c:spPr>
+  <c:txPr>
+    <a:bodyPr/>
+    <a:lstStyle/>
+    <a:p>
+      <a:pPr>
+        <a:defRPr/>
+      </a:pPr>
+      <a:endParaRPr lang="en-US"/>
+    </a:p>
+  </c:txPr>
+  <c:externalData r:id="rId3">
+    <c:autoUpdate val="0"/>
+  </c:externalData>
+</c:chartSpace>
+</file>
+
+<file path=ppt/charts/chart4.xml><?xml version="1.0" encoding="utf-8"?>
+<c:chartSpace xmlns:c="http://schemas.openxmlformats.org/drawingml/2006/chart" xmlns:a="http://schemas.openxmlformats.org/drawingml/2006/main" xmlns:r="http://schemas.openxmlformats.org/officeDocument/2006/relationships" xmlns:c16r2="http://schemas.microsoft.com/office/drawing/2015/06/chart">
+  <c:date1904 val="0"/>
+  <c:lang val="en-US"/>
+  <c:roundedCorners val="0"/>
+  <mc:AlternateContent xmlns:mc="http://schemas.openxmlformats.org/markup-compatibility/2006">
+    <mc:Choice xmlns:c14="http://schemas.microsoft.com/office/drawing/2007/8/2/chart" Requires="c14">
+      <c14:style val="102"/>
+    </mc:Choice>
+    <mc:Fallback>
+      <c:style val="2"/>
+    </mc:Fallback>
+  </mc:AlternateContent>
+  <c:chart>
+    <c:autoTitleDeleted val="1"/>
+    <c:plotArea>
+      <c:layout>
+        <c:manualLayout>
+          <c:layoutTarget val="inner"/>
+          <c:xMode val="edge"/>
+          <c:yMode val="edge"/>
+          <c:x val="0.18517628056761873"/>
+          <c:y val="0.17108879239519961"/>
+          <c:w val="0.60208794066377536"/>
+          <c:h val="0.80669704285764687"/>
+        </c:manualLayout>
+      </c:layout>
+      <c:radarChart>
+        <c:radarStyle val="marker"/>
+        <c:varyColors val="0"/>
+        <c:ser>
+          <c:idx val="0"/>
+          <c:order val="0"/>
+          <c:tx>
+            <c:strRef>
+              <c:f>Sheet1!$B$1</c:f>
+              <c:strCache>
+                <c:ptCount val="1"/>
+                <c:pt idx="0">
+                  <c:v>Series 1</c:v>
+                </c:pt>
+              </c:strCache>
+            </c:strRef>
+          </c:tx>
+          <c:spPr>
+            <a:ln w="25400" cap="rnd">
+              <a:solidFill>
+                <a:srgbClr val="00B050"/>
+              </a:solidFill>
+              <a:round/>
+            </a:ln>
+            <a:effectLst/>
+          </c:spPr>
+          <c:marker>
+            <c:symbol val="none"/>
+          </c:marker>
+          <c:cat>
+            <c:strRef>
+              <c:f>Sheet1!$A$2:$A$6</c:f>
+              <c:strCache>
+                <c:ptCount val="5"/>
+                <c:pt idx="0">
+                  <c:v>Index 1</c:v>
+                </c:pt>
+                <c:pt idx="1">
+                  <c:v>Index 2</c:v>
+                </c:pt>
+                <c:pt idx="2">
+                  <c:v>Index 3</c:v>
+                </c:pt>
+                <c:pt idx="3">
+                  <c:v>Index 4</c:v>
+                </c:pt>
+                <c:pt idx="4">
+                  <c:v>Index 5</c:v>
+                </c:pt>
+              </c:strCache>
+            </c:strRef>
+          </c:cat>
+          <c:val>
+            <c:numRef>
+              <c:f>Sheet1!$B$2:$B$6</c:f>
+              <c:numCache>
+                <c:formatCode>General</c:formatCode>
+                <c:ptCount val="5"/>
+                <c:pt idx="0">
+                  <c:v>14</c:v>
+                </c:pt>
+                <c:pt idx="1">
+                  <c:v>18</c:v>
+                </c:pt>
+                <c:pt idx="2">
+                  <c:v>10</c:v>
+                </c:pt>
+                <c:pt idx="3">
+                  <c:v>12</c:v>
+                </c:pt>
+                <c:pt idx="4">
+                  <c:v>15</c:v>
+                </c:pt>
+              </c:numCache>
+            </c:numRef>
+          </c:val>
+          <c:extLst>
+            <c:ext xmlns:c16="http://schemas.microsoft.com/office/drawing/2014/chart" uri="{C3380CC4-5D6E-409C-BE32-E72D297353CC}">
+              <c16:uniqueId val="{00000000-9233-BC4D-8192-185CD2C5441C}"/>
+            </c:ext>
+          </c:extLst>
+        </c:ser>
+        <c:ser>
+          <c:idx val="1"/>
+          <c:order val="1"/>
+          <c:tx>
+            <c:strRef>
+              <c:f>Sheet1!$C$1</c:f>
+              <c:strCache>
+                <c:ptCount val="1"/>
+                <c:pt idx="0">
+                  <c:v>Series 2</c:v>
+                </c:pt>
+              </c:strCache>
+            </c:strRef>
+          </c:tx>
+          <c:spPr>
+            <a:ln w="25400" cap="rnd">
+              <a:solidFill>
+                <a:srgbClr val="FF0000"/>
+              </a:solidFill>
+              <a:round/>
+            </a:ln>
+            <a:effectLst/>
+          </c:spPr>
+          <c:marker>
+            <c:symbol val="none"/>
+          </c:marker>
+          <c:cat>
+            <c:strRef>
+              <c:f>Sheet1!$A$2:$A$6</c:f>
+              <c:strCache>
+                <c:ptCount val="5"/>
+                <c:pt idx="0">
+                  <c:v>Index 1</c:v>
+                </c:pt>
+                <c:pt idx="1">
+                  <c:v>Index 2</c:v>
+                </c:pt>
+                <c:pt idx="2">
+                  <c:v>Index 3</c:v>
+                </c:pt>
+                <c:pt idx="3">
+                  <c:v>Index 4</c:v>
+                </c:pt>
+                <c:pt idx="4">
+                  <c:v>Index 5</c:v>
+                </c:pt>
+              </c:strCache>
+            </c:strRef>
+          </c:cat>
+          <c:val>
+            <c:numRef>
+              <c:f>Sheet1!$C$2:$C$6</c:f>
+              <c:numCache>
+                <c:formatCode>General</c:formatCode>
+                <c:ptCount val="5"/>
+                <c:pt idx="0">
+                  <c:v>33</c:v>
+                </c:pt>
+                <c:pt idx="1">
+                  <c:v>32</c:v>
+                </c:pt>
+                <c:pt idx="2">
+                  <c:v>38</c:v>
+                </c:pt>
+                <c:pt idx="3">
+                  <c:v>29</c:v>
+                </c:pt>
+                <c:pt idx="4">
+                  <c:v>28</c:v>
+                </c:pt>
+              </c:numCache>
+            </c:numRef>
+          </c:val>
+          <c:extLst>
+            <c:ext xmlns:c16="http://schemas.microsoft.com/office/drawing/2014/chart" uri="{C3380CC4-5D6E-409C-BE32-E72D297353CC}">
+              <c16:uniqueId val="{00000001-9233-BC4D-8192-185CD2C5441C}"/>
             </c:ext>
           </c:extLst>
         </c:ser>
@@ -501,7 +1555,1702 @@
 </cs:colorStyle>
 </file>
 
+<file path=ppt/charts/colors2.xml><?xml version="1.0" encoding="utf-8"?>
+<cs:colorStyle xmlns:cs="http://schemas.microsoft.com/office/drawing/2012/chartStyle" xmlns:a="http://schemas.openxmlformats.org/drawingml/2006/main" meth="cycle" id="10">
+  <a:schemeClr val="accent1"/>
+  <a:schemeClr val="accent2"/>
+  <a:schemeClr val="accent3"/>
+  <a:schemeClr val="accent4"/>
+  <a:schemeClr val="accent5"/>
+  <a:schemeClr val="accent6"/>
+  <cs:variation/>
+  <cs:variation>
+    <a:lumMod val="60000"/>
+  </cs:variation>
+  <cs:variation>
+    <a:lumMod val="80000"/>
+    <a:lumOff val="20000"/>
+  </cs:variation>
+  <cs:variation>
+    <a:lumMod val="80000"/>
+  </cs:variation>
+  <cs:variation>
+    <a:lumMod val="60000"/>
+    <a:lumOff val="40000"/>
+  </cs:variation>
+  <cs:variation>
+    <a:lumMod val="50000"/>
+  </cs:variation>
+  <cs:variation>
+    <a:lumMod val="70000"/>
+    <a:lumOff val="30000"/>
+  </cs:variation>
+  <cs:variation>
+    <a:lumMod val="70000"/>
+  </cs:variation>
+  <cs:variation>
+    <a:lumMod val="50000"/>
+    <a:lumOff val="50000"/>
+  </cs:variation>
+</cs:colorStyle>
+</file>
+
+<file path=ppt/charts/colors3.xml><?xml version="1.0" encoding="utf-8"?>
+<cs:colorStyle xmlns:cs="http://schemas.microsoft.com/office/drawing/2012/chartStyle" xmlns:a="http://schemas.openxmlformats.org/drawingml/2006/main" meth="cycle" id="10">
+  <a:schemeClr val="accent1"/>
+  <a:schemeClr val="accent2"/>
+  <a:schemeClr val="accent3"/>
+  <a:schemeClr val="accent4"/>
+  <a:schemeClr val="accent5"/>
+  <a:schemeClr val="accent6"/>
+  <cs:variation/>
+  <cs:variation>
+    <a:lumMod val="60000"/>
+  </cs:variation>
+  <cs:variation>
+    <a:lumMod val="80000"/>
+    <a:lumOff val="20000"/>
+  </cs:variation>
+  <cs:variation>
+    <a:lumMod val="80000"/>
+  </cs:variation>
+  <cs:variation>
+    <a:lumMod val="60000"/>
+    <a:lumOff val="40000"/>
+  </cs:variation>
+  <cs:variation>
+    <a:lumMod val="50000"/>
+  </cs:variation>
+  <cs:variation>
+    <a:lumMod val="70000"/>
+    <a:lumOff val="30000"/>
+  </cs:variation>
+  <cs:variation>
+    <a:lumMod val="70000"/>
+  </cs:variation>
+  <cs:variation>
+    <a:lumMod val="50000"/>
+    <a:lumOff val="50000"/>
+  </cs:variation>
+</cs:colorStyle>
+</file>
+
+<file path=ppt/charts/colors4.xml><?xml version="1.0" encoding="utf-8"?>
+<cs:colorStyle xmlns:cs="http://schemas.microsoft.com/office/drawing/2012/chartStyle" xmlns:a="http://schemas.openxmlformats.org/drawingml/2006/main" meth="cycle" id="10">
+  <a:schemeClr val="accent1"/>
+  <a:schemeClr val="accent2"/>
+  <a:schemeClr val="accent3"/>
+  <a:schemeClr val="accent4"/>
+  <a:schemeClr val="accent5"/>
+  <a:schemeClr val="accent6"/>
+  <cs:variation/>
+  <cs:variation>
+    <a:lumMod val="60000"/>
+  </cs:variation>
+  <cs:variation>
+    <a:lumMod val="80000"/>
+    <a:lumOff val="20000"/>
+  </cs:variation>
+  <cs:variation>
+    <a:lumMod val="80000"/>
+  </cs:variation>
+  <cs:variation>
+    <a:lumMod val="60000"/>
+    <a:lumOff val="40000"/>
+  </cs:variation>
+  <cs:variation>
+    <a:lumMod val="50000"/>
+  </cs:variation>
+  <cs:variation>
+    <a:lumMod val="70000"/>
+    <a:lumOff val="30000"/>
+  </cs:variation>
+  <cs:variation>
+    <a:lumMod val="70000"/>
+  </cs:variation>
+  <cs:variation>
+    <a:lumMod val="50000"/>
+    <a:lumOff val="50000"/>
+  </cs:variation>
+</cs:colorStyle>
+</file>
+
 <file path=ppt/charts/style1.xml><?xml version="1.0" encoding="utf-8"?>
+<cs:chartStyle xmlns:cs="http://schemas.microsoft.com/office/drawing/2012/chartStyle" xmlns:a="http://schemas.openxmlformats.org/drawingml/2006/main" id="206">
+  <cs:axisTitle>
+    <cs:lnRef idx="0"/>
+    <cs:fillRef idx="0"/>
+    <cs:effectRef idx="0"/>
+    <cs:fontRef idx="minor">
+      <a:schemeClr val="tx1">
+        <a:lumMod val="50000"/>
+        <a:lumOff val="50000"/>
+      </a:schemeClr>
+    </cs:fontRef>
+    <cs:defRPr sz="1197" kern="1200" cap="all"/>
+  </cs:axisTitle>
+  <cs:categoryAxis>
+    <cs:lnRef idx="0"/>
+    <cs:fillRef idx="0"/>
+    <cs:effectRef idx="0"/>
+    <cs:fontRef idx="minor">
+      <a:schemeClr val="tx1">
+        <a:lumMod val="50000"/>
+        <a:lumOff val="50000"/>
+      </a:schemeClr>
+    </cs:fontRef>
+    <cs:spPr>
+      <a:ln w="9525" cap="flat" cmpd="sng" algn="ctr">
+        <a:solidFill>
+          <a:schemeClr val="tx1">
+            <a:lumMod val="15000"/>
+            <a:lumOff val="85000"/>
+          </a:schemeClr>
+        </a:solidFill>
+        <a:round/>
+      </a:ln>
+    </cs:spPr>
+    <cs:defRPr sz="1197" kern="1200"/>
+  </cs:categoryAxis>
+  <cs:chartArea mods="allowNoFillOverride allowNoLineOverride">
+    <cs:lnRef idx="0"/>
+    <cs:fillRef idx="0"/>
+    <cs:effectRef idx="0"/>
+    <cs:fontRef idx="minor">
+      <a:schemeClr val="dk1"/>
+    </cs:fontRef>
+    <cs:spPr>
+      <a:solidFill>
+        <a:schemeClr val="bg1"/>
+      </a:solidFill>
+      <a:ln w="9525" cap="flat" cmpd="sng" algn="ctr">
+        <a:solidFill>
+          <a:schemeClr val="tx1">
+            <a:lumMod val="15000"/>
+            <a:lumOff val="85000"/>
+          </a:schemeClr>
+        </a:solidFill>
+        <a:round/>
+      </a:ln>
+    </cs:spPr>
+    <cs:defRPr sz="1197" kern="1200"/>
+  </cs:chartArea>
+  <cs:dataLabel>
+    <cs:lnRef idx="0"/>
+    <cs:fillRef idx="0"/>
+    <cs:effectRef idx="0"/>
+    <cs:fontRef idx="minor">
+      <a:schemeClr val="tx1">
+        <a:lumMod val="50000"/>
+        <a:lumOff val="50000"/>
+      </a:schemeClr>
+    </cs:fontRef>
+    <cs:defRPr sz="1197" kern="1200"/>
+  </cs:dataLabel>
+  <cs:dataLabelCallout>
+    <cs:lnRef idx="0"/>
+    <cs:fillRef idx="0"/>
+    <cs:effectRef idx="0"/>
+    <cs:fontRef idx="minor">
+      <a:schemeClr val="dk1">
+        <a:lumMod val="65000"/>
+        <a:lumOff val="35000"/>
+      </a:schemeClr>
+    </cs:fontRef>
+    <cs:spPr>
+      <a:solidFill>
+        <a:schemeClr val="lt1"/>
+      </a:solidFill>
+      <a:ln>
+        <a:solidFill>
+          <a:schemeClr val="dk1">
+            <a:lumMod val="25000"/>
+            <a:lumOff val="75000"/>
+          </a:schemeClr>
+        </a:solidFill>
+      </a:ln>
+    </cs:spPr>
+    <cs:defRPr sz="1197" kern="1200"/>
+    <cs:bodyPr rot="0" spcFirstLastPara="1" vertOverflow="clip" horzOverflow="clip" vert="horz" wrap="square" lIns="36576" tIns="18288" rIns="36576" bIns="18288" anchor="ctr" anchorCtr="1">
+      <a:spAutoFit/>
+    </cs:bodyPr>
+  </cs:dataLabelCallout>
+  <cs:dataPoint>
+    <cs:lnRef idx="0">
+      <cs:styleClr val="auto"/>
+    </cs:lnRef>
+    <cs:fillRef idx="2">
+      <cs:styleClr val="auto"/>
+    </cs:fillRef>
+    <cs:effectRef idx="1"/>
+    <cs:fontRef idx="minor">
+      <a:schemeClr val="dk1"/>
+    </cs:fontRef>
+    <cs:spPr>
+      <a:ln w="9525" cap="flat" cmpd="sng" algn="ctr">
+        <a:solidFill>
+          <a:schemeClr val="phClr">
+            <a:shade val="95000"/>
+          </a:schemeClr>
+        </a:solidFill>
+        <a:round/>
+      </a:ln>
+    </cs:spPr>
+  </cs:dataPoint>
+  <cs:dataPoint3D>
+    <cs:lnRef idx="0">
+      <cs:styleClr val="auto"/>
+    </cs:lnRef>
+    <cs:fillRef idx="2">
+      <cs:styleClr val="auto"/>
+    </cs:fillRef>
+    <cs:effectRef idx="1"/>
+    <cs:fontRef idx="minor">
+      <a:schemeClr val="dk1"/>
+    </cs:fontRef>
+    <cs:spPr>
+      <a:ln w="9525" cap="flat" cmpd="sng" algn="ctr">
+        <a:solidFill>
+          <a:schemeClr val="phClr">
+            <a:shade val="95000"/>
+          </a:schemeClr>
+        </a:solidFill>
+        <a:round/>
+      </a:ln>
+    </cs:spPr>
+  </cs:dataPoint3D>
+  <cs:dataPointLine>
+    <cs:lnRef idx="0">
+      <cs:styleClr val="auto"/>
+    </cs:lnRef>
+    <cs:fillRef idx="2">
+      <cs:styleClr val="auto"/>
+    </cs:fillRef>
+    <cs:effectRef idx="1"/>
+    <cs:fontRef idx="minor">
+      <a:schemeClr val="dk1"/>
+    </cs:fontRef>
+    <cs:spPr>
+      <a:ln w="15875" cap="rnd">
+        <a:solidFill>
+          <a:schemeClr val="phClr"/>
+        </a:solidFill>
+        <a:round/>
+      </a:ln>
+    </cs:spPr>
+  </cs:dataPointLine>
+  <cs:dataPointMarker>
+    <cs:lnRef idx="0">
+      <cs:styleClr val="auto"/>
+    </cs:lnRef>
+    <cs:fillRef idx="2">
+      <cs:styleClr val="auto"/>
+    </cs:fillRef>
+    <cs:effectRef idx="1"/>
+    <cs:fontRef idx="minor">
+      <a:schemeClr val="dk1"/>
+    </cs:fontRef>
+    <cs:spPr>
+      <a:ln w="9525" cap="flat" cmpd="sng" algn="ctr">
+        <a:solidFill>
+          <a:schemeClr val="phClr">
+            <a:shade val="95000"/>
+          </a:schemeClr>
+        </a:solidFill>
+        <a:round/>
+      </a:ln>
+    </cs:spPr>
+  </cs:dataPointMarker>
+  <cs:dataPointMarkerLayout symbol="circle" size="4"/>
+  <cs:dataPointWireframe>
+    <cs:lnRef idx="0">
+      <cs:styleClr val="auto"/>
+    </cs:lnRef>
+    <cs:fillRef idx="2"/>
+    <cs:effectRef idx="0"/>
+    <cs:fontRef idx="minor">
+      <a:schemeClr val="dk1"/>
+    </cs:fontRef>
+    <cs:spPr>
+      <a:ln w="9525" cap="rnd">
+        <a:solidFill>
+          <a:schemeClr val="phClr"/>
+        </a:solidFill>
+        <a:round/>
+      </a:ln>
+    </cs:spPr>
+  </cs:dataPointWireframe>
+  <cs:dataTable>
+    <cs:lnRef idx="0"/>
+    <cs:fillRef idx="0"/>
+    <cs:effectRef idx="0"/>
+    <cs:fontRef idx="minor">
+      <a:schemeClr val="tx1">
+        <a:lumMod val="50000"/>
+        <a:lumOff val="50000"/>
+      </a:schemeClr>
+    </cs:fontRef>
+    <cs:spPr>
+      <a:ln w="9525">
+        <a:solidFill>
+          <a:schemeClr val="tx1">
+            <a:lumMod val="15000"/>
+            <a:lumOff val="85000"/>
+          </a:schemeClr>
+        </a:solidFill>
+      </a:ln>
+    </cs:spPr>
+    <cs:defRPr sz="1197" kern="1200"/>
+  </cs:dataTable>
+  <cs:downBar>
+    <cs:lnRef idx="0"/>
+    <cs:fillRef idx="0"/>
+    <cs:effectRef idx="0"/>
+    <cs:fontRef idx="minor">
+      <a:schemeClr val="dk1"/>
+    </cs:fontRef>
+    <cs:spPr>
+      <a:solidFill>
+        <a:schemeClr val="dk1">
+          <a:lumMod val="75000"/>
+          <a:lumOff val="25000"/>
+        </a:schemeClr>
+      </a:solidFill>
+      <a:ln w="9525">
+        <a:solidFill>
+          <a:schemeClr val="tx1">
+            <a:lumMod val="50000"/>
+            <a:lumOff val="50000"/>
+          </a:schemeClr>
+        </a:solidFill>
+      </a:ln>
+    </cs:spPr>
+  </cs:downBar>
+  <cs:dropLine>
+    <cs:lnRef idx="0"/>
+    <cs:fillRef idx="0"/>
+    <cs:effectRef idx="0"/>
+    <cs:fontRef idx="minor">
+      <a:schemeClr val="dk1"/>
+    </cs:fontRef>
+    <cs:spPr>
+      <a:ln w="9525">
+        <a:solidFill>
+          <a:schemeClr val="tx1">
+            <a:lumMod val="35000"/>
+            <a:lumOff val="65000"/>
+          </a:schemeClr>
+        </a:solidFill>
+        <a:prstDash val="dash"/>
+      </a:ln>
+    </cs:spPr>
+  </cs:dropLine>
+  <cs:errorBar>
+    <cs:lnRef idx="0"/>
+    <cs:fillRef idx="0"/>
+    <cs:effectRef idx="0"/>
+    <cs:fontRef idx="minor">
+      <a:schemeClr val="dk1"/>
+    </cs:fontRef>
+    <cs:spPr>
+      <a:ln w="9525">
+        <a:solidFill>
+          <a:schemeClr val="tx1">
+            <a:lumMod val="50000"/>
+            <a:lumOff val="50000"/>
+          </a:schemeClr>
+        </a:solidFill>
+      </a:ln>
+    </cs:spPr>
+  </cs:errorBar>
+  <cs:floor>
+    <cs:lnRef idx="0"/>
+    <cs:fillRef idx="0"/>
+    <cs:effectRef idx="0"/>
+    <cs:fontRef idx="minor">
+      <a:schemeClr val="dk1"/>
+    </cs:fontRef>
+  </cs:floor>
+  <cs:gridlineMajor>
+    <cs:lnRef idx="0"/>
+    <cs:fillRef idx="0"/>
+    <cs:effectRef idx="0"/>
+    <cs:fontRef idx="minor">
+      <a:schemeClr val="dk1"/>
+    </cs:fontRef>
+    <cs:spPr>
+      <a:ln w="9525" cap="flat" cmpd="sng" algn="ctr">
+        <a:solidFill>
+          <a:schemeClr val="tx1">
+            <a:lumMod val="15000"/>
+            <a:lumOff val="85000"/>
+          </a:schemeClr>
+        </a:solidFill>
+        <a:round/>
+      </a:ln>
+    </cs:spPr>
+  </cs:gridlineMajor>
+  <cs:gridlineMinor>
+    <cs:lnRef idx="0"/>
+    <cs:fillRef idx="0"/>
+    <cs:effectRef idx="0"/>
+    <cs:fontRef idx="minor">
+      <a:schemeClr val="dk1"/>
+    </cs:fontRef>
+    <cs:spPr>
+      <a:ln>
+        <a:solidFill>
+          <a:schemeClr val="tx1">
+            <a:lumMod val="5000"/>
+            <a:lumOff val="95000"/>
+          </a:schemeClr>
+        </a:solidFill>
+      </a:ln>
+    </cs:spPr>
+  </cs:gridlineMinor>
+  <cs:hiLoLine>
+    <cs:lnRef idx="0"/>
+    <cs:fillRef idx="0"/>
+    <cs:effectRef idx="0"/>
+    <cs:fontRef idx="minor">
+      <a:schemeClr val="dk1"/>
+    </cs:fontRef>
+    <cs:spPr>
+      <a:ln w="9525">
+        <a:solidFill>
+          <a:schemeClr val="tx1">
+            <a:lumMod val="50000"/>
+            <a:lumOff val="50000"/>
+          </a:schemeClr>
+        </a:solidFill>
+        <a:prstDash val="dash"/>
+      </a:ln>
+    </cs:spPr>
+  </cs:hiLoLine>
+  <cs:leaderLine>
+    <cs:lnRef idx="0"/>
+    <cs:fillRef idx="0"/>
+    <cs:effectRef idx="0"/>
+    <cs:fontRef idx="minor">
+      <a:schemeClr val="dk1"/>
+    </cs:fontRef>
+    <cs:spPr>
+      <a:ln w="9525">
+        <a:solidFill>
+          <a:schemeClr val="tx1">
+            <a:lumMod val="35000"/>
+            <a:lumOff val="65000"/>
+          </a:schemeClr>
+        </a:solidFill>
+      </a:ln>
+    </cs:spPr>
+  </cs:leaderLine>
+  <cs:legend>
+    <cs:lnRef idx="0"/>
+    <cs:fillRef idx="0"/>
+    <cs:effectRef idx="0"/>
+    <cs:fontRef idx="minor">
+      <a:schemeClr val="tx1">
+        <a:lumMod val="50000"/>
+        <a:lumOff val="50000"/>
+      </a:schemeClr>
+    </cs:fontRef>
+    <cs:defRPr sz="1197" kern="1200"/>
+  </cs:legend>
+  <cs:plotArea mods="allowNoFillOverride allowNoLineOverride">
+    <cs:lnRef idx="0"/>
+    <cs:fillRef idx="0"/>
+    <cs:effectRef idx="0"/>
+    <cs:fontRef idx="minor">
+      <a:schemeClr val="dk1"/>
+    </cs:fontRef>
+  </cs:plotArea>
+  <cs:plotArea3D mods="allowNoFillOverride allowNoLineOverride">
+    <cs:lnRef idx="0"/>
+    <cs:fillRef idx="0"/>
+    <cs:effectRef idx="0"/>
+    <cs:fontRef idx="minor">
+      <a:schemeClr val="dk1"/>
+    </cs:fontRef>
+  </cs:plotArea3D>
+  <cs:seriesAxis>
+    <cs:lnRef idx="0"/>
+    <cs:fillRef idx="0"/>
+    <cs:effectRef idx="0"/>
+    <cs:fontRef idx="minor">
+      <a:schemeClr val="tx1">
+        <a:lumMod val="50000"/>
+        <a:lumOff val="50000"/>
+      </a:schemeClr>
+    </cs:fontRef>
+    <cs:spPr>
+      <a:ln w="9525" cap="flat" cmpd="sng" algn="ctr">
+        <a:solidFill>
+          <a:schemeClr val="tx1">
+            <a:lumMod val="15000"/>
+            <a:lumOff val="85000"/>
+          </a:schemeClr>
+        </a:solidFill>
+        <a:round/>
+      </a:ln>
+    </cs:spPr>
+    <cs:defRPr sz="1197" kern="1200"/>
+  </cs:seriesAxis>
+  <cs:seriesLine>
+    <cs:lnRef idx="0"/>
+    <cs:fillRef idx="0"/>
+    <cs:effectRef idx="0"/>
+    <cs:fontRef idx="minor">
+      <a:schemeClr val="dk1"/>
+    </cs:fontRef>
+    <cs:spPr>
+      <a:ln w="9525">
+        <a:solidFill>
+          <a:schemeClr val="tx1">
+            <a:lumMod val="35000"/>
+            <a:lumOff val="65000"/>
+          </a:schemeClr>
+        </a:solidFill>
+        <a:prstDash val="dash"/>
+      </a:ln>
+    </cs:spPr>
+  </cs:seriesLine>
+  <cs:title>
+    <cs:lnRef idx="0"/>
+    <cs:fillRef idx="0"/>
+    <cs:effectRef idx="0"/>
+    <cs:fontRef idx="minor">
+      <a:schemeClr val="tx1">
+        <a:lumMod val="50000"/>
+        <a:lumOff val="50000"/>
+      </a:schemeClr>
+    </cs:fontRef>
+    <cs:defRPr sz="1862" kern="1200" cap="none" spc="20" baseline="0"/>
+  </cs:title>
+  <cs:trendline>
+    <cs:lnRef idx="0">
+      <cs:styleClr val="auto"/>
+    </cs:lnRef>
+    <cs:fillRef idx="2"/>
+    <cs:effectRef idx="0"/>
+    <cs:fontRef idx="minor">
+      <a:schemeClr val="dk1"/>
+    </cs:fontRef>
+    <cs:spPr>
+      <a:ln w="9525" cap="rnd">
+        <a:solidFill>
+          <a:schemeClr val="phClr"/>
+        </a:solidFill>
+      </a:ln>
+    </cs:spPr>
+  </cs:trendline>
+  <cs:trendlineLabel>
+    <cs:lnRef idx="0"/>
+    <cs:fillRef idx="0"/>
+    <cs:effectRef idx="0"/>
+    <cs:fontRef idx="minor">
+      <a:schemeClr val="tx1">
+        <a:lumMod val="50000"/>
+        <a:lumOff val="50000"/>
+      </a:schemeClr>
+    </cs:fontRef>
+    <cs:defRPr sz="1197" kern="1200"/>
+  </cs:trendlineLabel>
+  <cs:upBar>
+    <cs:lnRef idx="0"/>
+    <cs:fillRef idx="0"/>
+    <cs:effectRef idx="0"/>
+    <cs:fontRef idx="minor">
+      <a:schemeClr val="dk1"/>
+    </cs:fontRef>
+    <cs:spPr>
+      <a:solidFill>
+        <a:schemeClr val="lt1"/>
+      </a:solidFill>
+      <a:ln w="9525">
+        <a:solidFill>
+          <a:schemeClr val="tx1">
+            <a:lumMod val="50000"/>
+            <a:lumOff val="50000"/>
+          </a:schemeClr>
+        </a:solidFill>
+      </a:ln>
+    </cs:spPr>
+  </cs:upBar>
+  <cs:valueAxis>
+    <cs:lnRef idx="0"/>
+    <cs:fillRef idx="0"/>
+    <cs:effectRef idx="0"/>
+    <cs:fontRef idx="minor">
+      <a:schemeClr val="tx1">
+        <a:lumMod val="50000"/>
+        <a:lumOff val="50000"/>
+      </a:schemeClr>
+    </cs:fontRef>
+    <cs:defRPr sz="1197" kern="1200"/>
+  </cs:valueAxis>
+  <cs:wall>
+    <cs:lnRef idx="0"/>
+    <cs:fillRef idx="0"/>
+    <cs:effectRef idx="0"/>
+    <cs:fontRef idx="minor">
+      <a:schemeClr val="dk1"/>
+    </cs:fontRef>
+  </cs:wall>
+</cs:chartStyle>
+</file>
+
+<file path=ppt/charts/style2.xml><?xml version="1.0" encoding="utf-8"?>
+<cs:chartStyle xmlns:cs="http://schemas.microsoft.com/office/drawing/2012/chartStyle" xmlns:a="http://schemas.openxmlformats.org/drawingml/2006/main" id="206">
+  <cs:axisTitle>
+    <cs:lnRef idx="0"/>
+    <cs:fillRef idx="0"/>
+    <cs:effectRef idx="0"/>
+    <cs:fontRef idx="minor">
+      <a:schemeClr val="tx1">
+        <a:lumMod val="50000"/>
+        <a:lumOff val="50000"/>
+      </a:schemeClr>
+    </cs:fontRef>
+    <cs:defRPr sz="1197" kern="1200" cap="all"/>
+  </cs:axisTitle>
+  <cs:categoryAxis>
+    <cs:lnRef idx="0"/>
+    <cs:fillRef idx="0"/>
+    <cs:effectRef idx="0"/>
+    <cs:fontRef idx="minor">
+      <a:schemeClr val="tx1">
+        <a:lumMod val="50000"/>
+        <a:lumOff val="50000"/>
+      </a:schemeClr>
+    </cs:fontRef>
+    <cs:spPr>
+      <a:ln w="9525" cap="flat" cmpd="sng" algn="ctr">
+        <a:solidFill>
+          <a:schemeClr val="tx1">
+            <a:lumMod val="15000"/>
+            <a:lumOff val="85000"/>
+          </a:schemeClr>
+        </a:solidFill>
+        <a:round/>
+      </a:ln>
+    </cs:spPr>
+    <cs:defRPr sz="1197" kern="1200"/>
+  </cs:categoryAxis>
+  <cs:chartArea mods="allowNoFillOverride allowNoLineOverride">
+    <cs:lnRef idx="0"/>
+    <cs:fillRef idx="0"/>
+    <cs:effectRef idx="0"/>
+    <cs:fontRef idx="minor">
+      <a:schemeClr val="dk1"/>
+    </cs:fontRef>
+    <cs:spPr>
+      <a:solidFill>
+        <a:schemeClr val="bg1"/>
+      </a:solidFill>
+      <a:ln w="9525" cap="flat" cmpd="sng" algn="ctr">
+        <a:solidFill>
+          <a:schemeClr val="tx1">
+            <a:lumMod val="15000"/>
+            <a:lumOff val="85000"/>
+          </a:schemeClr>
+        </a:solidFill>
+        <a:round/>
+      </a:ln>
+    </cs:spPr>
+    <cs:defRPr sz="1197" kern="1200"/>
+  </cs:chartArea>
+  <cs:dataLabel>
+    <cs:lnRef idx="0"/>
+    <cs:fillRef idx="0"/>
+    <cs:effectRef idx="0"/>
+    <cs:fontRef idx="minor">
+      <a:schemeClr val="tx1">
+        <a:lumMod val="50000"/>
+        <a:lumOff val="50000"/>
+      </a:schemeClr>
+    </cs:fontRef>
+    <cs:defRPr sz="1197" kern="1200"/>
+  </cs:dataLabel>
+  <cs:dataLabelCallout>
+    <cs:lnRef idx="0"/>
+    <cs:fillRef idx="0"/>
+    <cs:effectRef idx="0"/>
+    <cs:fontRef idx="minor">
+      <a:schemeClr val="dk1">
+        <a:lumMod val="65000"/>
+        <a:lumOff val="35000"/>
+      </a:schemeClr>
+    </cs:fontRef>
+    <cs:spPr>
+      <a:solidFill>
+        <a:schemeClr val="lt1"/>
+      </a:solidFill>
+      <a:ln>
+        <a:solidFill>
+          <a:schemeClr val="dk1">
+            <a:lumMod val="25000"/>
+            <a:lumOff val="75000"/>
+          </a:schemeClr>
+        </a:solidFill>
+      </a:ln>
+    </cs:spPr>
+    <cs:defRPr sz="1197" kern="1200"/>
+    <cs:bodyPr rot="0" spcFirstLastPara="1" vertOverflow="clip" horzOverflow="clip" vert="horz" wrap="square" lIns="36576" tIns="18288" rIns="36576" bIns="18288" anchor="ctr" anchorCtr="1">
+      <a:spAutoFit/>
+    </cs:bodyPr>
+  </cs:dataLabelCallout>
+  <cs:dataPoint>
+    <cs:lnRef idx="0">
+      <cs:styleClr val="auto"/>
+    </cs:lnRef>
+    <cs:fillRef idx="2">
+      <cs:styleClr val="auto"/>
+    </cs:fillRef>
+    <cs:effectRef idx="1"/>
+    <cs:fontRef idx="minor">
+      <a:schemeClr val="dk1"/>
+    </cs:fontRef>
+    <cs:spPr>
+      <a:ln w="9525" cap="flat" cmpd="sng" algn="ctr">
+        <a:solidFill>
+          <a:schemeClr val="phClr">
+            <a:shade val="95000"/>
+          </a:schemeClr>
+        </a:solidFill>
+        <a:round/>
+      </a:ln>
+    </cs:spPr>
+  </cs:dataPoint>
+  <cs:dataPoint3D>
+    <cs:lnRef idx="0">
+      <cs:styleClr val="auto"/>
+    </cs:lnRef>
+    <cs:fillRef idx="2">
+      <cs:styleClr val="auto"/>
+    </cs:fillRef>
+    <cs:effectRef idx="1"/>
+    <cs:fontRef idx="minor">
+      <a:schemeClr val="dk1"/>
+    </cs:fontRef>
+    <cs:spPr>
+      <a:ln w="9525" cap="flat" cmpd="sng" algn="ctr">
+        <a:solidFill>
+          <a:schemeClr val="phClr">
+            <a:shade val="95000"/>
+          </a:schemeClr>
+        </a:solidFill>
+        <a:round/>
+      </a:ln>
+    </cs:spPr>
+  </cs:dataPoint3D>
+  <cs:dataPointLine>
+    <cs:lnRef idx="0">
+      <cs:styleClr val="auto"/>
+    </cs:lnRef>
+    <cs:fillRef idx="2">
+      <cs:styleClr val="auto"/>
+    </cs:fillRef>
+    <cs:effectRef idx="1"/>
+    <cs:fontRef idx="minor">
+      <a:schemeClr val="dk1"/>
+    </cs:fontRef>
+    <cs:spPr>
+      <a:ln w="15875" cap="rnd">
+        <a:solidFill>
+          <a:schemeClr val="phClr"/>
+        </a:solidFill>
+        <a:round/>
+      </a:ln>
+    </cs:spPr>
+  </cs:dataPointLine>
+  <cs:dataPointMarker>
+    <cs:lnRef idx="0">
+      <cs:styleClr val="auto"/>
+    </cs:lnRef>
+    <cs:fillRef idx="2">
+      <cs:styleClr val="auto"/>
+    </cs:fillRef>
+    <cs:effectRef idx="1"/>
+    <cs:fontRef idx="minor">
+      <a:schemeClr val="dk1"/>
+    </cs:fontRef>
+    <cs:spPr>
+      <a:ln w="9525" cap="flat" cmpd="sng" algn="ctr">
+        <a:solidFill>
+          <a:schemeClr val="phClr">
+            <a:shade val="95000"/>
+          </a:schemeClr>
+        </a:solidFill>
+        <a:round/>
+      </a:ln>
+    </cs:spPr>
+  </cs:dataPointMarker>
+  <cs:dataPointMarkerLayout symbol="circle" size="4"/>
+  <cs:dataPointWireframe>
+    <cs:lnRef idx="0">
+      <cs:styleClr val="auto"/>
+    </cs:lnRef>
+    <cs:fillRef idx="2"/>
+    <cs:effectRef idx="0"/>
+    <cs:fontRef idx="minor">
+      <a:schemeClr val="dk1"/>
+    </cs:fontRef>
+    <cs:spPr>
+      <a:ln w="9525" cap="rnd">
+        <a:solidFill>
+          <a:schemeClr val="phClr"/>
+        </a:solidFill>
+        <a:round/>
+      </a:ln>
+    </cs:spPr>
+  </cs:dataPointWireframe>
+  <cs:dataTable>
+    <cs:lnRef idx="0"/>
+    <cs:fillRef idx="0"/>
+    <cs:effectRef idx="0"/>
+    <cs:fontRef idx="minor">
+      <a:schemeClr val="tx1">
+        <a:lumMod val="50000"/>
+        <a:lumOff val="50000"/>
+      </a:schemeClr>
+    </cs:fontRef>
+    <cs:spPr>
+      <a:ln w="9525">
+        <a:solidFill>
+          <a:schemeClr val="tx1">
+            <a:lumMod val="15000"/>
+            <a:lumOff val="85000"/>
+          </a:schemeClr>
+        </a:solidFill>
+      </a:ln>
+    </cs:spPr>
+    <cs:defRPr sz="1197" kern="1200"/>
+  </cs:dataTable>
+  <cs:downBar>
+    <cs:lnRef idx="0"/>
+    <cs:fillRef idx="0"/>
+    <cs:effectRef idx="0"/>
+    <cs:fontRef idx="minor">
+      <a:schemeClr val="dk1"/>
+    </cs:fontRef>
+    <cs:spPr>
+      <a:solidFill>
+        <a:schemeClr val="dk1">
+          <a:lumMod val="75000"/>
+          <a:lumOff val="25000"/>
+        </a:schemeClr>
+      </a:solidFill>
+      <a:ln w="9525">
+        <a:solidFill>
+          <a:schemeClr val="tx1">
+            <a:lumMod val="50000"/>
+            <a:lumOff val="50000"/>
+          </a:schemeClr>
+        </a:solidFill>
+      </a:ln>
+    </cs:spPr>
+  </cs:downBar>
+  <cs:dropLine>
+    <cs:lnRef idx="0"/>
+    <cs:fillRef idx="0"/>
+    <cs:effectRef idx="0"/>
+    <cs:fontRef idx="minor">
+      <a:schemeClr val="dk1"/>
+    </cs:fontRef>
+    <cs:spPr>
+      <a:ln w="9525">
+        <a:solidFill>
+          <a:schemeClr val="tx1">
+            <a:lumMod val="35000"/>
+            <a:lumOff val="65000"/>
+          </a:schemeClr>
+        </a:solidFill>
+        <a:prstDash val="dash"/>
+      </a:ln>
+    </cs:spPr>
+  </cs:dropLine>
+  <cs:errorBar>
+    <cs:lnRef idx="0"/>
+    <cs:fillRef idx="0"/>
+    <cs:effectRef idx="0"/>
+    <cs:fontRef idx="minor">
+      <a:schemeClr val="dk1"/>
+    </cs:fontRef>
+    <cs:spPr>
+      <a:ln w="9525">
+        <a:solidFill>
+          <a:schemeClr val="tx1">
+            <a:lumMod val="50000"/>
+            <a:lumOff val="50000"/>
+          </a:schemeClr>
+        </a:solidFill>
+      </a:ln>
+    </cs:spPr>
+  </cs:errorBar>
+  <cs:floor>
+    <cs:lnRef idx="0"/>
+    <cs:fillRef idx="0"/>
+    <cs:effectRef idx="0"/>
+    <cs:fontRef idx="minor">
+      <a:schemeClr val="dk1"/>
+    </cs:fontRef>
+  </cs:floor>
+  <cs:gridlineMajor>
+    <cs:lnRef idx="0"/>
+    <cs:fillRef idx="0"/>
+    <cs:effectRef idx="0"/>
+    <cs:fontRef idx="minor">
+      <a:schemeClr val="dk1"/>
+    </cs:fontRef>
+    <cs:spPr>
+      <a:ln w="9525" cap="flat" cmpd="sng" algn="ctr">
+        <a:solidFill>
+          <a:schemeClr val="tx1">
+            <a:lumMod val="15000"/>
+            <a:lumOff val="85000"/>
+          </a:schemeClr>
+        </a:solidFill>
+        <a:round/>
+      </a:ln>
+    </cs:spPr>
+  </cs:gridlineMajor>
+  <cs:gridlineMinor>
+    <cs:lnRef idx="0"/>
+    <cs:fillRef idx="0"/>
+    <cs:effectRef idx="0"/>
+    <cs:fontRef idx="minor">
+      <a:schemeClr val="dk1"/>
+    </cs:fontRef>
+    <cs:spPr>
+      <a:ln>
+        <a:solidFill>
+          <a:schemeClr val="tx1">
+            <a:lumMod val="5000"/>
+            <a:lumOff val="95000"/>
+          </a:schemeClr>
+        </a:solidFill>
+      </a:ln>
+    </cs:spPr>
+  </cs:gridlineMinor>
+  <cs:hiLoLine>
+    <cs:lnRef idx="0"/>
+    <cs:fillRef idx="0"/>
+    <cs:effectRef idx="0"/>
+    <cs:fontRef idx="minor">
+      <a:schemeClr val="dk1"/>
+    </cs:fontRef>
+    <cs:spPr>
+      <a:ln w="9525">
+        <a:solidFill>
+          <a:schemeClr val="tx1">
+            <a:lumMod val="50000"/>
+            <a:lumOff val="50000"/>
+          </a:schemeClr>
+        </a:solidFill>
+        <a:prstDash val="dash"/>
+      </a:ln>
+    </cs:spPr>
+  </cs:hiLoLine>
+  <cs:leaderLine>
+    <cs:lnRef idx="0"/>
+    <cs:fillRef idx="0"/>
+    <cs:effectRef idx="0"/>
+    <cs:fontRef idx="minor">
+      <a:schemeClr val="dk1"/>
+    </cs:fontRef>
+    <cs:spPr>
+      <a:ln w="9525">
+        <a:solidFill>
+          <a:schemeClr val="tx1">
+            <a:lumMod val="35000"/>
+            <a:lumOff val="65000"/>
+          </a:schemeClr>
+        </a:solidFill>
+      </a:ln>
+    </cs:spPr>
+  </cs:leaderLine>
+  <cs:legend>
+    <cs:lnRef idx="0"/>
+    <cs:fillRef idx="0"/>
+    <cs:effectRef idx="0"/>
+    <cs:fontRef idx="minor">
+      <a:schemeClr val="tx1">
+        <a:lumMod val="50000"/>
+        <a:lumOff val="50000"/>
+      </a:schemeClr>
+    </cs:fontRef>
+    <cs:defRPr sz="1197" kern="1200"/>
+  </cs:legend>
+  <cs:plotArea mods="allowNoFillOverride allowNoLineOverride">
+    <cs:lnRef idx="0"/>
+    <cs:fillRef idx="0"/>
+    <cs:effectRef idx="0"/>
+    <cs:fontRef idx="minor">
+      <a:schemeClr val="dk1"/>
+    </cs:fontRef>
+  </cs:plotArea>
+  <cs:plotArea3D mods="allowNoFillOverride allowNoLineOverride">
+    <cs:lnRef idx="0"/>
+    <cs:fillRef idx="0"/>
+    <cs:effectRef idx="0"/>
+    <cs:fontRef idx="minor">
+      <a:schemeClr val="dk1"/>
+    </cs:fontRef>
+  </cs:plotArea3D>
+  <cs:seriesAxis>
+    <cs:lnRef idx="0"/>
+    <cs:fillRef idx="0"/>
+    <cs:effectRef idx="0"/>
+    <cs:fontRef idx="minor">
+      <a:schemeClr val="tx1">
+        <a:lumMod val="50000"/>
+        <a:lumOff val="50000"/>
+      </a:schemeClr>
+    </cs:fontRef>
+    <cs:spPr>
+      <a:ln w="9525" cap="flat" cmpd="sng" algn="ctr">
+        <a:solidFill>
+          <a:schemeClr val="tx1">
+            <a:lumMod val="15000"/>
+            <a:lumOff val="85000"/>
+          </a:schemeClr>
+        </a:solidFill>
+        <a:round/>
+      </a:ln>
+    </cs:spPr>
+    <cs:defRPr sz="1197" kern="1200"/>
+  </cs:seriesAxis>
+  <cs:seriesLine>
+    <cs:lnRef idx="0"/>
+    <cs:fillRef idx="0"/>
+    <cs:effectRef idx="0"/>
+    <cs:fontRef idx="minor">
+      <a:schemeClr val="dk1"/>
+    </cs:fontRef>
+    <cs:spPr>
+      <a:ln w="9525">
+        <a:solidFill>
+          <a:schemeClr val="tx1">
+            <a:lumMod val="35000"/>
+            <a:lumOff val="65000"/>
+          </a:schemeClr>
+        </a:solidFill>
+        <a:prstDash val="dash"/>
+      </a:ln>
+    </cs:spPr>
+  </cs:seriesLine>
+  <cs:title>
+    <cs:lnRef idx="0"/>
+    <cs:fillRef idx="0"/>
+    <cs:effectRef idx="0"/>
+    <cs:fontRef idx="minor">
+      <a:schemeClr val="tx1">
+        <a:lumMod val="50000"/>
+        <a:lumOff val="50000"/>
+      </a:schemeClr>
+    </cs:fontRef>
+    <cs:defRPr sz="1862" kern="1200" cap="none" spc="20" baseline="0"/>
+  </cs:title>
+  <cs:trendline>
+    <cs:lnRef idx="0">
+      <cs:styleClr val="auto"/>
+    </cs:lnRef>
+    <cs:fillRef idx="2"/>
+    <cs:effectRef idx="0"/>
+    <cs:fontRef idx="minor">
+      <a:schemeClr val="dk1"/>
+    </cs:fontRef>
+    <cs:spPr>
+      <a:ln w="9525" cap="rnd">
+        <a:solidFill>
+          <a:schemeClr val="phClr"/>
+        </a:solidFill>
+      </a:ln>
+    </cs:spPr>
+  </cs:trendline>
+  <cs:trendlineLabel>
+    <cs:lnRef idx="0"/>
+    <cs:fillRef idx="0"/>
+    <cs:effectRef idx="0"/>
+    <cs:fontRef idx="minor">
+      <a:schemeClr val="tx1">
+        <a:lumMod val="50000"/>
+        <a:lumOff val="50000"/>
+      </a:schemeClr>
+    </cs:fontRef>
+    <cs:defRPr sz="1197" kern="1200"/>
+  </cs:trendlineLabel>
+  <cs:upBar>
+    <cs:lnRef idx="0"/>
+    <cs:fillRef idx="0"/>
+    <cs:effectRef idx="0"/>
+    <cs:fontRef idx="minor">
+      <a:schemeClr val="dk1"/>
+    </cs:fontRef>
+    <cs:spPr>
+      <a:solidFill>
+        <a:schemeClr val="lt1"/>
+      </a:solidFill>
+      <a:ln w="9525">
+        <a:solidFill>
+          <a:schemeClr val="tx1">
+            <a:lumMod val="50000"/>
+            <a:lumOff val="50000"/>
+          </a:schemeClr>
+        </a:solidFill>
+      </a:ln>
+    </cs:spPr>
+  </cs:upBar>
+  <cs:valueAxis>
+    <cs:lnRef idx="0"/>
+    <cs:fillRef idx="0"/>
+    <cs:effectRef idx="0"/>
+    <cs:fontRef idx="minor">
+      <a:schemeClr val="tx1">
+        <a:lumMod val="50000"/>
+        <a:lumOff val="50000"/>
+      </a:schemeClr>
+    </cs:fontRef>
+    <cs:defRPr sz="1197" kern="1200"/>
+  </cs:valueAxis>
+  <cs:wall>
+    <cs:lnRef idx="0"/>
+    <cs:fillRef idx="0"/>
+    <cs:effectRef idx="0"/>
+    <cs:fontRef idx="minor">
+      <a:schemeClr val="dk1"/>
+    </cs:fontRef>
+  </cs:wall>
+</cs:chartStyle>
+</file>
+
+<file path=ppt/charts/style3.xml><?xml version="1.0" encoding="utf-8"?>
+<cs:chartStyle xmlns:cs="http://schemas.microsoft.com/office/drawing/2012/chartStyle" xmlns:a="http://schemas.openxmlformats.org/drawingml/2006/main" id="206">
+  <cs:axisTitle>
+    <cs:lnRef idx="0"/>
+    <cs:fillRef idx="0"/>
+    <cs:effectRef idx="0"/>
+    <cs:fontRef idx="minor">
+      <a:schemeClr val="tx1">
+        <a:lumMod val="50000"/>
+        <a:lumOff val="50000"/>
+      </a:schemeClr>
+    </cs:fontRef>
+    <cs:defRPr sz="1197" kern="1200" cap="all"/>
+  </cs:axisTitle>
+  <cs:categoryAxis>
+    <cs:lnRef idx="0"/>
+    <cs:fillRef idx="0"/>
+    <cs:effectRef idx="0"/>
+    <cs:fontRef idx="minor">
+      <a:schemeClr val="tx1">
+        <a:lumMod val="50000"/>
+        <a:lumOff val="50000"/>
+      </a:schemeClr>
+    </cs:fontRef>
+    <cs:spPr>
+      <a:ln w="9525" cap="flat" cmpd="sng" algn="ctr">
+        <a:solidFill>
+          <a:schemeClr val="tx1">
+            <a:lumMod val="15000"/>
+            <a:lumOff val="85000"/>
+          </a:schemeClr>
+        </a:solidFill>
+        <a:round/>
+      </a:ln>
+    </cs:spPr>
+    <cs:defRPr sz="1197" kern="1200"/>
+  </cs:categoryAxis>
+  <cs:chartArea mods="allowNoFillOverride allowNoLineOverride">
+    <cs:lnRef idx="0"/>
+    <cs:fillRef idx="0"/>
+    <cs:effectRef idx="0"/>
+    <cs:fontRef idx="minor">
+      <a:schemeClr val="dk1"/>
+    </cs:fontRef>
+    <cs:spPr>
+      <a:solidFill>
+        <a:schemeClr val="bg1"/>
+      </a:solidFill>
+      <a:ln w="9525" cap="flat" cmpd="sng" algn="ctr">
+        <a:solidFill>
+          <a:schemeClr val="tx1">
+            <a:lumMod val="15000"/>
+            <a:lumOff val="85000"/>
+          </a:schemeClr>
+        </a:solidFill>
+        <a:round/>
+      </a:ln>
+    </cs:spPr>
+    <cs:defRPr sz="1197" kern="1200"/>
+  </cs:chartArea>
+  <cs:dataLabel>
+    <cs:lnRef idx="0"/>
+    <cs:fillRef idx="0"/>
+    <cs:effectRef idx="0"/>
+    <cs:fontRef idx="minor">
+      <a:schemeClr val="tx1">
+        <a:lumMod val="50000"/>
+        <a:lumOff val="50000"/>
+      </a:schemeClr>
+    </cs:fontRef>
+    <cs:defRPr sz="1197" kern="1200"/>
+  </cs:dataLabel>
+  <cs:dataLabelCallout>
+    <cs:lnRef idx="0"/>
+    <cs:fillRef idx="0"/>
+    <cs:effectRef idx="0"/>
+    <cs:fontRef idx="minor">
+      <a:schemeClr val="dk1">
+        <a:lumMod val="65000"/>
+        <a:lumOff val="35000"/>
+      </a:schemeClr>
+    </cs:fontRef>
+    <cs:spPr>
+      <a:solidFill>
+        <a:schemeClr val="lt1"/>
+      </a:solidFill>
+      <a:ln>
+        <a:solidFill>
+          <a:schemeClr val="dk1">
+            <a:lumMod val="25000"/>
+            <a:lumOff val="75000"/>
+          </a:schemeClr>
+        </a:solidFill>
+      </a:ln>
+    </cs:spPr>
+    <cs:defRPr sz="1197" kern="1200"/>
+    <cs:bodyPr rot="0" spcFirstLastPara="1" vertOverflow="clip" horzOverflow="clip" vert="horz" wrap="square" lIns="36576" tIns="18288" rIns="36576" bIns="18288" anchor="ctr" anchorCtr="1">
+      <a:spAutoFit/>
+    </cs:bodyPr>
+  </cs:dataLabelCallout>
+  <cs:dataPoint>
+    <cs:lnRef idx="0">
+      <cs:styleClr val="auto"/>
+    </cs:lnRef>
+    <cs:fillRef idx="2">
+      <cs:styleClr val="auto"/>
+    </cs:fillRef>
+    <cs:effectRef idx="1"/>
+    <cs:fontRef idx="minor">
+      <a:schemeClr val="dk1"/>
+    </cs:fontRef>
+    <cs:spPr>
+      <a:ln w="9525" cap="flat" cmpd="sng" algn="ctr">
+        <a:solidFill>
+          <a:schemeClr val="phClr">
+            <a:shade val="95000"/>
+          </a:schemeClr>
+        </a:solidFill>
+        <a:round/>
+      </a:ln>
+    </cs:spPr>
+  </cs:dataPoint>
+  <cs:dataPoint3D>
+    <cs:lnRef idx="0">
+      <cs:styleClr val="auto"/>
+    </cs:lnRef>
+    <cs:fillRef idx="2">
+      <cs:styleClr val="auto"/>
+    </cs:fillRef>
+    <cs:effectRef idx="1"/>
+    <cs:fontRef idx="minor">
+      <a:schemeClr val="dk1"/>
+    </cs:fontRef>
+    <cs:spPr>
+      <a:ln w="9525" cap="flat" cmpd="sng" algn="ctr">
+        <a:solidFill>
+          <a:schemeClr val="phClr">
+            <a:shade val="95000"/>
+          </a:schemeClr>
+        </a:solidFill>
+        <a:round/>
+      </a:ln>
+    </cs:spPr>
+  </cs:dataPoint3D>
+  <cs:dataPointLine>
+    <cs:lnRef idx="0">
+      <cs:styleClr val="auto"/>
+    </cs:lnRef>
+    <cs:fillRef idx="2">
+      <cs:styleClr val="auto"/>
+    </cs:fillRef>
+    <cs:effectRef idx="1"/>
+    <cs:fontRef idx="minor">
+      <a:schemeClr val="dk1"/>
+    </cs:fontRef>
+    <cs:spPr>
+      <a:ln w="15875" cap="rnd">
+        <a:solidFill>
+          <a:schemeClr val="phClr"/>
+        </a:solidFill>
+        <a:round/>
+      </a:ln>
+    </cs:spPr>
+  </cs:dataPointLine>
+  <cs:dataPointMarker>
+    <cs:lnRef idx="0">
+      <cs:styleClr val="auto"/>
+    </cs:lnRef>
+    <cs:fillRef idx="2">
+      <cs:styleClr val="auto"/>
+    </cs:fillRef>
+    <cs:effectRef idx="1"/>
+    <cs:fontRef idx="minor">
+      <a:schemeClr val="dk1"/>
+    </cs:fontRef>
+    <cs:spPr>
+      <a:ln w="9525" cap="flat" cmpd="sng" algn="ctr">
+        <a:solidFill>
+          <a:schemeClr val="phClr">
+            <a:shade val="95000"/>
+          </a:schemeClr>
+        </a:solidFill>
+        <a:round/>
+      </a:ln>
+    </cs:spPr>
+  </cs:dataPointMarker>
+  <cs:dataPointMarkerLayout symbol="circle" size="4"/>
+  <cs:dataPointWireframe>
+    <cs:lnRef idx="0">
+      <cs:styleClr val="auto"/>
+    </cs:lnRef>
+    <cs:fillRef idx="2"/>
+    <cs:effectRef idx="0"/>
+    <cs:fontRef idx="minor">
+      <a:schemeClr val="dk1"/>
+    </cs:fontRef>
+    <cs:spPr>
+      <a:ln w="9525" cap="rnd">
+        <a:solidFill>
+          <a:schemeClr val="phClr"/>
+        </a:solidFill>
+        <a:round/>
+      </a:ln>
+    </cs:spPr>
+  </cs:dataPointWireframe>
+  <cs:dataTable>
+    <cs:lnRef idx="0"/>
+    <cs:fillRef idx="0"/>
+    <cs:effectRef idx="0"/>
+    <cs:fontRef idx="minor">
+      <a:schemeClr val="tx1">
+        <a:lumMod val="50000"/>
+        <a:lumOff val="50000"/>
+      </a:schemeClr>
+    </cs:fontRef>
+    <cs:spPr>
+      <a:ln w="9525">
+        <a:solidFill>
+          <a:schemeClr val="tx1">
+            <a:lumMod val="15000"/>
+            <a:lumOff val="85000"/>
+          </a:schemeClr>
+        </a:solidFill>
+      </a:ln>
+    </cs:spPr>
+    <cs:defRPr sz="1197" kern="1200"/>
+  </cs:dataTable>
+  <cs:downBar>
+    <cs:lnRef idx="0"/>
+    <cs:fillRef idx="0"/>
+    <cs:effectRef idx="0"/>
+    <cs:fontRef idx="minor">
+      <a:schemeClr val="dk1"/>
+    </cs:fontRef>
+    <cs:spPr>
+      <a:solidFill>
+        <a:schemeClr val="dk1">
+          <a:lumMod val="75000"/>
+          <a:lumOff val="25000"/>
+        </a:schemeClr>
+      </a:solidFill>
+      <a:ln w="9525">
+        <a:solidFill>
+          <a:schemeClr val="tx1">
+            <a:lumMod val="50000"/>
+            <a:lumOff val="50000"/>
+          </a:schemeClr>
+        </a:solidFill>
+      </a:ln>
+    </cs:spPr>
+  </cs:downBar>
+  <cs:dropLine>
+    <cs:lnRef idx="0"/>
+    <cs:fillRef idx="0"/>
+    <cs:effectRef idx="0"/>
+    <cs:fontRef idx="minor">
+      <a:schemeClr val="dk1"/>
+    </cs:fontRef>
+    <cs:spPr>
+      <a:ln w="9525">
+        <a:solidFill>
+          <a:schemeClr val="tx1">
+            <a:lumMod val="35000"/>
+            <a:lumOff val="65000"/>
+          </a:schemeClr>
+        </a:solidFill>
+        <a:prstDash val="dash"/>
+      </a:ln>
+    </cs:spPr>
+  </cs:dropLine>
+  <cs:errorBar>
+    <cs:lnRef idx="0"/>
+    <cs:fillRef idx="0"/>
+    <cs:effectRef idx="0"/>
+    <cs:fontRef idx="minor">
+      <a:schemeClr val="dk1"/>
+    </cs:fontRef>
+    <cs:spPr>
+      <a:ln w="9525">
+        <a:solidFill>
+          <a:schemeClr val="tx1">
+            <a:lumMod val="50000"/>
+            <a:lumOff val="50000"/>
+          </a:schemeClr>
+        </a:solidFill>
+      </a:ln>
+    </cs:spPr>
+  </cs:errorBar>
+  <cs:floor>
+    <cs:lnRef idx="0"/>
+    <cs:fillRef idx="0"/>
+    <cs:effectRef idx="0"/>
+    <cs:fontRef idx="minor">
+      <a:schemeClr val="dk1"/>
+    </cs:fontRef>
+  </cs:floor>
+  <cs:gridlineMajor>
+    <cs:lnRef idx="0"/>
+    <cs:fillRef idx="0"/>
+    <cs:effectRef idx="0"/>
+    <cs:fontRef idx="minor">
+      <a:schemeClr val="dk1"/>
+    </cs:fontRef>
+    <cs:spPr>
+      <a:ln w="9525" cap="flat" cmpd="sng" algn="ctr">
+        <a:solidFill>
+          <a:schemeClr val="tx1">
+            <a:lumMod val="15000"/>
+            <a:lumOff val="85000"/>
+          </a:schemeClr>
+        </a:solidFill>
+        <a:round/>
+      </a:ln>
+    </cs:spPr>
+  </cs:gridlineMajor>
+  <cs:gridlineMinor>
+    <cs:lnRef idx="0"/>
+    <cs:fillRef idx="0"/>
+    <cs:effectRef idx="0"/>
+    <cs:fontRef idx="minor">
+      <a:schemeClr val="dk1"/>
+    </cs:fontRef>
+    <cs:spPr>
+      <a:ln>
+        <a:solidFill>
+          <a:schemeClr val="tx1">
+            <a:lumMod val="5000"/>
+            <a:lumOff val="95000"/>
+          </a:schemeClr>
+        </a:solidFill>
+      </a:ln>
+    </cs:spPr>
+  </cs:gridlineMinor>
+  <cs:hiLoLine>
+    <cs:lnRef idx="0"/>
+    <cs:fillRef idx="0"/>
+    <cs:effectRef idx="0"/>
+    <cs:fontRef idx="minor">
+      <a:schemeClr val="dk1"/>
+    </cs:fontRef>
+    <cs:spPr>
+      <a:ln w="9525">
+        <a:solidFill>
+          <a:schemeClr val="tx1">
+            <a:lumMod val="50000"/>
+            <a:lumOff val="50000"/>
+          </a:schemeClr>
+        </a:solidFill>
+        <a:prstDash val="dash"/>
+      </a:ln>
+    </cs:spPr>
+  </cs:hiLoLine>
+  <cs:leaderLine>
+    <cs:lnRef idx="0"/>
+    <cs:fillRef idx="0"/>
+    <cs:effectRef idx="0"/>
+    <cs:fontRef idx="minor">
+      <a:schemeClr val="dk1"/>
+    </cs:fontRef>
+    <cs:spPr>
+      <a:ln w="9525">
+        <a:solidFill>
+          <a:schemeClr val="tx1">
+            <a:lumMod val="35000"/>
+            <a:lumOff val="65000"/>
+          </a:schemeClr>
+        </a:solidFill>
+      </a:ln>
+    </cs:spPr>
+  </cs:leaderLine>
+  <cs:legend>
+    <cs:lnRef idx="0"/>
+    <cs:fillRef idx="0"/>
+    <cs:effectRef idx="0"/>
+    <cs:fontRef idx="minor">
+      <a:schemeClr val="tx1">
+        <a:lumMod val="50000"/>
+        <a:lumOff val="50000"/>
+      </a:schemeClr>
+    </cs:fontRef>
+    <cs:defRPr sz="1197" kern="1200"/>
+  </cs:legend>
+  <cs:plotArea mods="allowNoFillOverride allowNoLineOverride">
+    <cs:lnRef idx="0"/>
+    <cs:fillRef idx="0"/>
+    <cs:effectRef idx="0"/>
+    <cs:fontRef idx="minor">
+      <a:schemeClr val="dk1"/>
+    </cs:fontRef>
+  </cs:plotArea>
+  <cs:plotArea3D mods="allowNoFillOverride allowNoLineOverride">
+    <cs:lnRef idx="0"/>
+    <cs:fillRef idx="0"/>
+    <cs:effectRef idx="0"/>
+    <cs:fontRef idx="minor">
+      <a:schemeClr val="dk1"/>
+    </cs:fontRef>
+  </cs:plotArea3D>
+  <cs:seriesAxis>
+    <cs:lnRef idx="0"/>
+    <cs:fillRef idx="0"/>
+    <cs:effectRef idx="0"/>
+    <cs:fontRef idx="minor">
+      <a:schemeClr val="tx1">
+        <a:lumMod val="50000"/>
+        <a:lumOff val="50000"/>
+      </a:schemeClr>
+    </cs:fontRef>
+    <cs:spPr>
+      <a:ln w="9525" cap="flat" cmpd="sng" algn="ctr">
+        <a:solidFill>
+          <a:schemeClr val="tx1">
+            <a:lumMod val="15000"/>
+            <a:lumOff val="85000"/>
+          </a:schemeClr>
+        </a:solidFill>
+        <a:round/>
+      </a:ln>
+    </cs:spPr>
+    <cs:defRPr sz="1197" kern="1200"/>
+  </cs:seriesAxis>
+  <cs:seriesLine>
+    <cs:lnRef idx="0"/>
+    <cs:fillRef idx="0"/>
+    <cs:effectRef idx="0"/>
+    <cs:fontRef idx="minor">
+      <a:schemeClr val="dk1"/>
+    </cs:fontRef>
+    <cs:spPr>
+      <a:ln w="9525">
+        <a:solidFill>
+          <a:schemeClr val="tx1">
+            <a:lumMod val="35000"/>
+            <a:lumOff val="65000"/>
+          </a:schemeClr>
+        </a:solidFill>
+        <a:prstDash val="dash"/>
+      </a:ln>
+    </cs:spPr>
+  </cs:seriesLine>
+  <cs:title>
+    <cs:lnRef idx="0"/>
+    <cs:fillRef idx="0"/>
+    <cs:effectRef idx="0"/>
+    <cs:fontRef idx="minor">
+      <a:schemeClr val="tx1">
+        <a:lumMod val="50000"/>
+        <a:lumOff val="50000"/>
+      </a:schemeClr>
+    </cs:fontRef>
+    <cs:defRPr sz="1862" kern="1200" cap="none" spc="20" baseline="0"/>
+  </cs:title>
+  <cs:trendline>
+    <cs:lnRef idx="0">
+      <cs:styleClr val="auto"/>
+    </cs:lnRef>
+    <cs:fillRef idx="2"/>
+    <cs:effectRef idx="0"/>
+    <cs:fontRef idx="minor">
+      <a:schemeClr val="dk1"/>
+    </cs:fontRef>
+    <cs:spPr>
+      <a:ln w="9525" cap="rnd">
+        <a:solidFill>
+          <a:schemeClr val="phClr"/>
+        </a:solidFill>
+      </a:ln>
+    </cs:spPr>
+  </cs:trendline>
+  <cs:trendlineLabel>
+    <cs:lnRef idx="0"/>
+    <cs:fillRef idx="0"/>
+    <cs:effectRef idx="0"/>
+    <cs:fontRef idx="minor">
+      <a:schemeClr val="tx1">
+        <a:lumMod val="50000"/>
+        <a:lumOff val="50000"/>
+      </a:schemeClr>
+    </cs:fontRef>
+    <cs:defRPr sz="1197" kern="1200"/>
+  </cs:trendlineLabel>
+  <cs:upBar>
+    <cs:lnRef idx="0"/>
+    <cs:fillRef idx="0"/>
+    <cs:effectRef idx="0"/>
+    <cs:fontRef idx="minor">
+      <a:schemeClr val="dk1"/>
+    </cs:fontRef>
+    <cs:spPr>
+      <a:solidFill>
+        <a:schemeClr val="lt1"/>
+      </a:solidFill>
+      <a:ln w="9525">
+        <a:solidFill>
+          <a:schemeClr val="tx1">
+            <a:lumMod val="50000"/>
+            <a:lumOff val="50000"/>
+          </a:schemeClr>
+        </a:solidFill>
+      </a:ln>
+    </cs:spPr>
+  </cs:upBar>
+  <cs:valueAxis>
+    <cs:lnRef idx="0"/>
+    <cs:fillRef idx="0"/>
+    <cs:effectRef idx="0"/>
+    <cs:fontRef idx="minor">
+      <a:schemeClr val="tx1">
+        <a:lumMod val="50000"/>
+        <a:lumOff val="50000"/>
+      </a:schemeClr>
+    </cs:fontRef>
+    <cs:defRPr sz="1197" kern="1200"/>
+  </cs:valueAxis>
+  <cs:wall>
+    <cs:lnRef idx="0"/>
+    <cs:fillRef idx="0"/>
+    <cs:effectRef idx="0"/>
+    <cs:fontRef idx="minor">
+      <a:schemeClr val="dk1"/>
+    </cs:fontRef>
+  </cs:wall>
+</cs:chartStyle>
+</file>
+
+<file path=ppt/charts/style4.xml><?xml version="1.0" encoding="utf-8"?>
 <cs:chartStyle xmlns:cs="http://schemas.microsoft.com/office/drawing/2012/chartStyle" xmlns:a="http://schemas.openxmlformats.org/drawingml/2006/main" id="206">
   <cs:axisTitle>
     <cs:lnRef idx="0"/>
@@ -1173,7 +3922,7 @@
           <a:p>
             <a:fld id="{4190EDCD-6E9F-144B-9691-FB9770E6FBAA}" type="datetimeFigureOut">
               <a:rPr lang="en-US" smtClean="0"/>
-              <a:t>7/21/20</a:t>
+              <a:t>8/3/20</a:t>
             </a:fld>
             <a:endParaRPr lang="en-US"/>
           </a:p>
@@ -1371,7 +4120,7 @@
           <a:p>
             <a:fld id="{4190EDCD-6E9F-144B-9691-FB9770E6FBAA}" type="datetimeFigureOut">
               <a:rPr lang="en-US" smtClean="0"/>
-              <a:t>7/21/20</a:t>
+              <a:t>8/3/20</a:t>
             </a:fld>
             <a:endParaRPr lang="en-US"/>
           </a:p>
@@ -1579,7 +4328,7 @@
           <a:p>
             <a:fld id="{4190EDCD-6E9F-144B-9691-FB9770E6FBAA}" type="datetimeFigureOut">
               <a:rPr lang="en-US" smtClean="0"/>
-              <a:t>7/21/20</a:t>
+              <a:t>8/3/20</a:t>
             </a:fld>
             <a:endParaRPr lang="en-US"/>
           </a:p>
@@ -1777,7 +4526,7 @@
           <a:p>
             <a:fld id="{4190EDCD-6E9F-144B-9691-FB9770E6FBAA}" type="datetimeFigureOut">
               <a:rPr lang="en-US" smtClean="0"/>
-              <a:t>7/21/20</a:t>
+              <a:t>8/3/20</a:t>
             </a:fld>
             <a:endParaRPr lang="en-US"/>
           </a:p>
@@ -2052,7 +4801,7 @@
           <a:p>
             <a:fld id="{4190EDCD-6E9F-144B-9691-FB9770E6FBAA}" type="datetimeFigureOut">
               <a:rPr lang="en-US" smtClean="0"/>
-              <a:t>7/21/20</a:t>
+              <a:t>8/3/20</a:t>
             </a:fld>
             <a:endParaRPr lang="en-US"/>
           </a:p>
@@ -2317,7 +5066,7 @@
           <a:p>
             <a:fld id="{4190EDCD-6E9F-144B-9691-FB9770E6FBAA}" type="datetimeFigureOut">
               <a:rPr lang="en-US" smtClean="0"/>
-              <a:t>7/21/20</a:t>
+              <a:t>8/3/20</a:t>
             </a:fld>
             <a:endParaRPr lang="en-US"/>
           </a:p>
@@ -2729,7 +5478,7 @@
           <a:p>
             <a:fld id="{4190EDCD-6E9F-144B-9691-FB9770E6FBAA}" type="datetimeFigureOut">
               <a:rPr lang="en-US" smtClean="0"/>
-              <a:t>7/21/20</a:t>
+              <a:t>8/3/20</a:t>
             </a:fld>
             <a:endParaRPr lang="en-US"/>
           </a:p>
@@ -2870,7 +5619,7 @@
           <a:p>
             <a:fld id="{4190EDCD-6E9F-144B-9691-FB9770E6FBAA}" type="datetimeFigureOut">
               <a:rPr lang="en-US" smtClean="0"/>
-              <a:t>7/21/20</a:t>
+              <a:t>8/3/20</a:t>
             </a:fld>
             <a:endParaRPr lang="en-US"/>
           </a:p>
@@ -2983,7 +5732,7 @@
           <a:p>
             <a:fld id="{4190EDCD-6E9F-144B-9691-FB9770E6FBAA}" type="datetimeFigureOut">
               <a:rPr lang="en-US" smtClean="0"/>
-              <a:t>7/21/20</a:t>
+              <a:t>8/3/20</a:t>
             </a:fld>
             <a:endParaRPr lang="en-US"/>
           </a:p>
@@ -3294,7 +6043,7 @@
           <a:p>
             <a:fld id="{4190EDCD-6E9F-144B-9691-FB9770E6FBAA}" type="datetimeFigureOut">
               <a:rPr lang="en-US" smtClean="0"/>
-              <a:t>7/21/20</a:t>
+              <a:t>8/3/20</a:t>
             </a:fld>
             <a:endParaRPr lang="en-US"/>
           </a:p>
@@ -3582,7 +6331,7 @@
           <a:p>
             <a:fld id="{4190EDCD-6E9F-144B-9691-FB9770E6FBAA}" type="datetimeFigureOut">
               <a:rPr lang="en-US" smtClean="0"/>
-              <a:t>7/21/20</a:t>
+              <a:t>8/3/20</a:t>
             </a:fld>
             <a:endParaRPr lang="en-US"/>
           </a:p>
@@ -3823,7 +6572,7 @@
           <a:p>
             <a:fld id="{4190EDCD-6E9F-144B-9691-FB9770E6FBAA}" type="datetimeFigureOut">
               <a:rPr lang="en-US" smtClean="0"/>
-              <a:t>7/21/20</a:t>
+              <a:t>8/3/20</a:t>
             </a:fld>
             <a:endParaRPr lang="en-US"/>
           </a:p>
@@ -4253,14 +7002,14 @@
           <p:nvPr>
             <p:extLst>
               <p:ext uri="{D42A27DB-BD31-4B8C-83A1-F6EECF244321}">
-                <p14:modId xmlns:p14="http://schemas.microsoft.com/office/powerpoint/2010/main" val="3560395486"/>
+                <p14:modId xmlns:p14="http://schemas.microsoft.com/office/powerpoint/2010/main" val="1887616775"/>
               </p:ext>
             </p:extLst>
           </p:nvPr>
         </p:nvGraphicFramePr>
         <p:xfrm>
-          <a:off x="2032000" y="719666"/>
-          <a:ext cx="8128000" cy="5418667"/>
+          <a:off x="-157655" y="1539765"/>
+          <a:ext cx="3510455" cy="3174416"/>
         </p:xfrm>
         <a:graphic>
           <a:graphicData uri="http://schemas.openxmlformats.org/drawingml/2006/chart">
@@ -4268,58 +7017,591 @@
           </a:graphicData>
         </a:graphic>
       </p:graphicFrame>
-      <p:cxnSp>
-        <p:nvCxnSpPr>
-          <p:cNvPr id="13" name="Elbow Connector 12">
+      <p:graphicFrame>
+        <p:nvGraphicFramePr>
+          <p:cNvPr id="6" name="Chart 5">
             <a:extLst>
               <a:ext uri="{FF2B5EF4-FFF2-40B4-BE49-F238E27FC236}">
-                <a16:creationId xmlns:a16="http://schemas.microsoft.com/office/drawing/2014/main" id="{30D90D30-8F77-614D-ABD9-CF0E937FED77}"/>
+                <a16:creationId xmlns:a16="http://schemas.microsoft.com/office/drawing/2014/main" id="{4EFAB3F9-4E1F-6643-BB6B-5CB6476C42B0}"/>
               </a:ext>
             </a:extLst>
           </p:cNvPr>
-          <p:cNvCxnSpPr>
-            <a:cxnSpLocks/>
-          </p:cNvCxnSpPr>
+          <p:cNvGraphicFramePr/>
+          <p:nvPr>
+            <p:extLst>
+              <p:ext uri="{D42A27DB-BD31-4B8C-83A1-F6EECF244321}">
+                <p14:modId xmlns:p14="http://schemas.microsoft.com/office/powerpoint/2010/main" val="2407352987"/>
+              </p:ext>
+            </p:extLst>
+          </p:nvPr>
+        </p:nvGraphicFramePr>
+        <p:xfrm>
+          <a:off x="2874580" y="1539765"/>
+          <a:ext cx="3510455" cy="3174416"/>
+        </p:xfrm>
+        <a:graphic>
+          <a:graphicData uri="http://schemas.openxmlformats.org/drawingml/2006/chart">
+            <c:chart xmlns:c="http://schemas.openxmlformats.org/drawingml/2006/chart" xmlns:r="http://schemas.openxmlformats.org/officeDocument/2006/relationships" r:id="rId3"/>
+          </a:graphicData>
+        </a:graphic>
+      </p:graphicFrame>
+      <p:graphicFrame>
+        <p:nvGraphicFramePr>
+          <p:cNvPr id="7" name="Chart 6">
+            <a:extLst>
+              <a:ext uri="{FF2B5EF4-FFF2-40B4-BE49-F238E27FC236}">
+                <a16:creationId xmlns:a16="http://schemas.microsoft.com/office/drawing/2014/main" id="{3C547695-0029-BA46-A625-70264818C2AC}"/>
+              </a:ext>
+            </a:extLst>
+          </p:cNvPr>
+          <p:cNvGraphicFramePr/>
+          <p:nvPr>
+            <p:extLst>
+              <p:ext uri="{D42A27DB-BD31-4B8C-83A1-F6EECF244321}">
+                <p14:modId xmlns:p14="http://schemas.microsoft.com/office/powerpoint/2010/main" val="387528921"/>
+              </p:ext>
+            </p:extLst>
+          </p:nvPr>
+        </p:nvGraphicFramePr>
+        <p:xfrm>
+          <a:off x="5906815" y="1539765"/>
+          <a:ext cx="3510455" cy="3174416"/>
+        </p:xfrm>
+        <a:graphic>
+          <a:graphicData uri="http://schemas.openxmlformats.org/drawingml/2006/chart">
+            <c:chart xmlns:c="http://schemas.openxmlformats.org/drawingml/2006/chart" xmlns:r="http://schemas.openxmlformats.org/officeDocument/2006/relationships" r:id="rId4"/>
+          </a:graphicData>
+        </a:graphic>
+      </p:graphicFrame>
+      <p:graphicFrame>
+        <p:nvGraphicFramePr>
+          <p:cNvPr id="8" name="Chart 7">
+            <a:extLst>
+              <a:ext uri="{FF2B5EF4-FFF2-40B4-BE49-F238E27FC236}">
+                <a16:creationId xmlns:a16="http://schemas.microsoft.com/office/drawing/2014/main" id="{27CBF6F1-FB18-7A45-8D49-275093195566}"/>
+              </a:ext>
+            </a:extLst>
+          </p:cNvPr>
+          <p:cNvGraphicFramePr/>
+          <p:nvPr>
+            <p:extLst>
+              <p:ext uri="{D42A27DB-BD31-4B8C-83A1-F6EECF244321}">
+                <p14:modId xmlns:p14="http://schemas.microsoft.com/office/powerpoint/2010/main" val="3907855314"/>
+              </p:ext>
+            </p:extLst>
+          </p:nvPr>
+        </p:nvGraphicFramePr>
+        <p:xfrm>
+          <a:off x="8907518" y="1539765"/>
+          <a:ext cx="3510455" cy="3174416"/>
+        </p:xfrm>
+        <a:graphic>
+          <a:graphicData uri="http://schemas.openxmlformats.org/drawingml/2006/chart">
+            <c:chart xmlns:c="http://schemas.openxmlformats.org/drawingml/2006/chart" xmlns:r="http://schemas.openxmlformats.org/officeDocument/2006/relationships" r:id="rId5"/>
+          </a:graphicData>
+        </a:graphic>
+      </p:graphicFrame>
+      <p:sp>
+        <p:nvSpPr>
+          <p:cNvPr id="2" name="Regular Pentagon 1">
+            <a:extLst>
+              <a:ext uri="{FF2B5EF4-FFF2-40B4-BE49-F238E27FC236}">
+                <a16:creationId xmlns:a16="http://schemas.microsoft.com/office/drawing/2014/main" id="{13CFD059-7F82-2545-B393-593C09657EA6}"/>
+              </a:ext>
+            </a:extLst>
+          </p:cNvPr>
+          <p:cNvSpPr/>
           <p:nvPr/>
-        </p:nvCxnSpPr>
+        </p:nvSpPr>
         <p:spPr>
           <a:xfrm>
-            <a:off x="6697683" y="3313216"/>
-            <a:ext cx="1128156" cy="914400"/>
+            <a:off x="1318130" y="2845822"/>
+            <a:ext cx="453783" cy="541282"/>
           </a:xfrm>
-          <a:prstGeom prst="bentConnector3">
-            <a:avLst>
-              <a:gd name="adj1" fmla="val 50000"/>
-            </a:avLst>
+          <a:prstGeom prst="pentagon">
+            <a:avLst/>
           </a:prstGeom>
-          <a:ln w="38100">
+          <a:noFill/>
+          <a:ln w="25400">
             <a:solidFill>
               <a:schemeClr val="tx1"/>
             </a:solidFill>
-            <a:tailEnd type="arrow"/>
           </a:ln>
-          <a:scene3d>
-            <a:camera prst="orthographicFront">
-              <a:rot lat="0" lon="0" rev="1200000"/>
-            </a:camera>
-            <a:lightRig rig="threePt" dir="t"/>
-          </a:scene3d>
         </p:spPr>
         <p:style>
-          <a:lnRef idx="1">
-            <a:schemeClr val="accent1"/>
+          <a:lnRef idx="2">
+            <a:schemeClr val="accent1">
+              <a:shade val="50000"/>
+            </a:schemeClr>
           </a:lnRef>
-          <a:fillRef idx="0">
+          <a:fillRef idx="1">
             <a:schemeClr val="accent1"/>
           </a:fillRef>
           <a:effectRef idx="0">
             <a:schemeClr val="accent1"/>
           </a:effectRef>
           <a:fontRef idx="minor">
-            <a:schemeClr val="tx1"/>
+            <a:schemeClr val="lt1"/>
           </a:fontRef>
         </p:style>
-      </p:cxnSp>
+        <p:txBody>
+          <a:bodyPr rtlCol="0" anchor="ctr"/>
+          <a:lstStyle/>
+          <a:p>
+            <a:pPr algn="ctr"/>
+            <a:endParaRPr lang="en-US" dirty="0"/>
+          </a:p>
+        </p:txBody>
+      </p:sp>
+      <p:sp>
+        <p:nvSpPr>
+          <p:cNvPr id="15" name="Freeform 14">
+            <a:extLst>
+              <a:ext uri="{FF2B5EF4-FFF2-40B4-BE49-F238E27FC236}">
+                <a16:creationId xmlns:a16="http://schemas.microsoft.com/office/drawing/2014/main" id="{899171AD-16D7-074F-BFEE-3305A241F02A}"/>
+              </a:ext>
+            </a:extLst>
+          </p:cNvPr>
+          <p:cNvSpPr/>
+          <p:nvPr/>
+        </p:nvSpPr>
+        <p:spPr>
+          <a:xfrm>
+            <a:off x="4298868" y="2541319"/>
+            <a:ext cx="546264" cy="1068780"/>
+          </a:xfrm>
+          <a:custGeom>
+            <a:avLst/>
+            <a:gdLst>
+              <a:gd name="connsiteX0" fmla="*/ 308758 w 546264"/>
+              <a:gd name="connsiteY0" fmla="*/ 0 h 1068780"/>
+              <a:gd name="connsiteX1" fmla="*/ 546264 w 546264"/>
+              <a:gd name="connsiteY1" fmla="*/ 534390 h 1068780"/>
+              <a:gd name="connsiteX2" fmla="*/ 427511 w 546264"/>
+              <a:gd name="connsiteY2" fmla="*/ 795647 h 1068780"/>
+              <a:gd name="connsiteX3" fmla="*/ 0 w 546264"/>
+              <a:gd name="connsiteY3" fmla="*/ 1068780 h 1068780"/>
+              <a:gd name="connsiteX4" fmla="*/ 59376 w 546264"/>
+              <a:gd name="connsiteY4" fmla="*/ 534390 h 1068780"/>
+              <a:gd name="connsiteX5" fmla="*/ 308758 w 546264"/>
+              <a:gd name="connsiteY5" fmla="*/ 0 h 1068780"/>
+            </a:gdLst>
+            <a:ahLst/>
+            <a:cxnLst>
+              <a:cxn ang="0">
+                <a:pos x="connsiteX0" y="connsiteY0"/>
+              </a:cxn>
+              <a:cxn ang="0">
+                <a:pos x="connsiteX1" y="connsiteY1"/>
+              </a:cxn>
+              <a:cxn ang="0">
+                <a:pos x="connsiteX2" y="connsiteY2"/>
+              </a:cxn>
+              <a:cxn ang="0">
+                <a:pos x="connsiteX3" y="connsiteY3"/>
+              </a:cxn>
+              <a:cxn ang="0">
+                <a:pos x="connsiteX4" y="connsiteY4"/>
+              </a:cxn>
+              <a:cxn ang="0">
+                <a:pos x="connsiteX5" y="connsiteY5"/>
+              </a:cxn>
+            </a:cxnLst>
+            <a:rect l="l" t="t" r="r" b="b"/>
+            <a:pathLst>
+              <a:path w="546264" h="1068780">
+                <a:moveTo>
+                  <a:pt x="308758" y="0"/>
+                </a:moveTo>
+                <a:lnTo>
+                  <a:pt x="546264" y="534390"/>
+                </a:lnTo>
+                <a:lnTo>
+                  <a:pt x="427511" y="795647"/>
+                </a:lnTo>
+                <a:lnTo>
+                  <a:pt x="0" y="1068780"/>
+                </a:lnTo>
+                <a:lnTo>
+                  <a:pt x="59376" y="534390"/>
+                </a:lnTo>
+                <a:lnTo>
+                  <a:pt x="308758" y="0"/>
+                </a:lnTo>
+                <a:close/>
+              </a:path>
+            </a:pathLst>
+          </a:custGeom>
+          <a:noFill/>
+          <a:ln w="25400">
+            <a:solidFill>
+              <a:schemeClr val="tx1"/>
+            </a:solidFill>
+          </a:ln>
+        </p:spPr>
+        <p:style>
+          <a:lnRef idx="2">
+            <a:schemeClr val="accent1">
+              <a:shade val="50000"/>
+            </a:schemeClr>
+          </a:lnRef>
+          <a:fillRef idx="1">
+            <a:schemeClr val="accent1"/>
+          </a:fillRef>
+          <a:effectRef idx="0">
+            <a:schemeClr val="accent1"/>
+          </a:effectRef>
+          <a:fontRef idx="minor">
+            <a:schemeClr val="lt1"/>
+          </a:fontRef>
+        </p:style>
+        <p:txBody>
+          <a:bodyPr rtlCol="0" anchor="ctr"/>
+          <a:lstStyle/>
+          <a:p>
+            <a:pPr algn="ctr"/>
+            <a:endParaRPr lang="en-US"/>
+          </a:p>
+        </p:txBody>
+      </p:sp>
+      <p:sp>
+        <p:nvSpPr>
+          <p:cNvPr id="16" name="Freeform 15">
+            <a:extLst>
+              <a:ext uri="{FF2B5EF4-FFF2-40B4-BE49-F238E27FC236}">
+                <a16:creationId xmlns:a16="http://schemas.microsoft.com/office/drawing/2014/main" id="{CFD5869E-5173-064B-896C-8E1B1FAFBDE5}"/>
+              </a:ext>
+            </a:extLst>
+          </p:cNvPr>
+          <p:cNvSpPr/>
+          <p:nvPr/>
+        </p:nvSpPr>
+        <p:spPr>
+          <a:xfrm>
+            <a:off x="7113319" y="2909455"/>
+            <a:ext cx="831273" cy="296883"/>
+          </a:xfrm>
+          <a:custGeom>
+            <a:avLst/>
+            <a:gdLst>
+              <a:gd name="connsiteX0" fmla="*/ 0 w 831273"/>
+              <a:gd name="connsiteY0" fmla="*/ 83127 h 296883"/>
+              <a:gd name="connsiteX1" fmla="*/ 510639 w 831273"/>
+              <a:gd name="connsiteY1" fmla="*/ 0 h 296883"/>
+              <a:gd name="connsiteX2" fmla="*/ 831273 w 831273"/>
+              <a:gd name="connsiteY2" fmla="*/ 130628 h 296883"/>
+              <a:gd name="connsiteX3" fmla="*/ 605642 w 831273"/>
+              <a:gd name="connsiteY3" fmla="*/ 285007 h 296883"/>
+              <a:gd name="connsiteX4" fmla="*/ 380011 w 831273"/>
+              <a:gd name="connsiteY4" fmla="*/ 296883 h 296883"/>
+              <a:gd name="connsiteX5" fmla="*/ 0 w 831273"/>
+              <a:gd name="connsiteY5" fmla="*/ 83127 h 296883"/>
+            </a:gdLst>
+            <a:ahLst/>
+            <a:cxnLst>
+              <a:cxn ang="0">
+                <a:pos x="connsiteX0" y="connsiteY0"/>
+              </a:cxn>
+              <a:cxn ang="0">
+                <a:pos x="connsiteX1" y="connsiteY1"/>
+              </a:cxn>
+              <a:cxn ang="0">
+                <a:pos x="connsiteX2" y="connsiteY2"/>
+              </a:cxn>
+              <a:cxn ang="0">
+                <a:pos x="connsiteX3" y="connsiteY3"/>
+              </a:cxn>
+              <a:cxn ang="0">
+                <a:pos x="connsiteX4" y="connsiteY4"/>
+              </a:cxn>
+              <a:cxn ang="0">
+                <a:pos x="connsiteX5" y="connsiteY5"/>
+              </a:cxn>
+            </a:cxnLst>
+            <a:rect l="l" t="t" r="r" b="b"/>
+            <a:pathLst>
+              <a:path w="831273" h="296883">
+                <a:moveTo>
+                  <a:pt x="0" y="83127"/>
+                </a:moveTo>
+                <a:lnTo>
+                  <a:pt x="510639" y="0"/>
+                </a:lnTo>
+                <a:lnTo>
+                  <a:pt x="831273" y="130628"/>
+                </a:lnTo>
+                <a:lnTo>
+                  <a:pt x="605642" y="285007"/>
+                </a:lnTo>
+                <a:lnTo>
+                  <a:pt x="380011" y="296883"/>
+                </a:lnTo>
+                <a:lnTo>
+                  <a:pt x="0" y="83127"/>
+                </a:lnTo>
+                <a:close/>
+              </a:path>
+            </a:pathLst>
+          </a:custGeom>
+          <a:noFill/>
+          <a:ln w="25400">
+            <a:solidFill>
+              <a:schemeClr val="tx1"/>
+            </a:solidFill>
+          </a:ln>
+        </p:spPr>
+        <p:style>
+          <a:lnRef idx="2">
+            <a:schemeClr val="accent1">
+              <a:shade val="50000"/>
+            </a:schemeClr>
+          </a:lnRef>
+          <a:fillRef idx="1">
+            <a:schemeClr val="accent1"/>
+          </a:fillRef>
+          <a:effectRef idx="0">
+            <a:schemeClr val="accent1"/>
+          </a:effectRef>
+          <a:fontRef idx="minor">
+            <a:schemeClr val="lt1"/>
+          </a:fontRef>
+        </p:style>
+        <p:txBody>
+          <a:bodyPr rtlCol="0" anchor="ctr"/>
+          <a:lstStyle/>
+          <a:p>
+            <a:pPr algn="ctr"/>
+            <a:endParaRPr lang="en-US"/>
+          </a:p>
+        </p:txBody>
+      </p:sp>
+      <p:sp>
+        <p:nvSpPr>
+          <p:cNvPr id="18" name="Freeform 17">
+            <a:extLst>
+              <a:ext uri="{FF2B5EF4-FFF2-40B4-BE49-F238E27FC236}">
+                <a16:creationId xmlns:a16="http://schemas.microsoft.com/office/drawing/2014/main" id="{745581C1-0BA5-934F-A42E-C34AC54D9E67}"/>
+              </a:ext>
+            </a:extLst>
+          </p:cNvPr>
+          <p:cNvSpPr/>
+          <p:nvPr/>
+        </p:nvSpPr>
+        <p:spPr>
+          <a:xfrm>
+            <a:off x="10319657" y="2850078"/>
+            <a:ext cx="1282535" cy="1021278"/>
+          </a:xfrm>
+          <a:custGeom>
+            <a:avLst/>
+            <a:gdLst>
+              <a:gd name="connsiteX0" fmla="*/ 201881 w 1282535"/>
+              <a:gd name="connsiteY0" fmla="*/ 439387 h 1021278"/>
+              <a:gd name="connsiteX1" fmla="*/ 748146 w 1282535"/>
+              <a:gd name="connsiteY1" fmla="*/ 1021278 h 1021278"/>
+              <a:gd name="connsiteX2" fmla="*/ 1282535 w 1282535"/>
+              <a:gd name="connsiteY2" fmla="*/ 0 h 1021278"/>
+              <a:gd name="connsiteX3" fmla="*/ 285008 w 1282535"/>
+              <a:gd name="connsiteY3" fmla="*/ 95003 h 1021278"/>
+              <a:gd name="connsiteX4" fmla="*/ 0 w 1282535"/>
+              <a:gd name="connsiteY4" fmla="*/ 225631 h 1021278"/>
+              <a:gd name="connsiteX5" fmla="*/ 201881 w 1282535"/>
+              <a:gd name="connsiteY5" fmla="*/ 439387 h 1021278"/>
+            </a:gdLst>
+            <a:ahLst/>
+            <a:cxnLst>
+              <a:cxn ang="0">
+                <a:pos x="connsiteX0" y="connsiteY0"/>
+              </a:cxn>
+              <a:cxn ang="0">
+                <a:pos x="connsiteX1" y="connsiteY1"/>
+              </a:cxn>
+              <a:cxn ang="0">
+                <a:pos x="connsiteX2" y="connsiteY2"/>
+              </a:cxn>
+              <a:cxn ang="0">
+                <a:pos x="connsiteX3" y="connsiteY3"/>
+              </a:cxn>
+              <a:cxn ang="0">
+                <a:pos x="connsiteX4" y="connsiteY4"/>
+              </a:cxn>
+              <a:cxn ang="0">
+                <a:pos x="connsiteX5" y="connsiteY5"/>
+              </a:cxn>
+            </a:cxnLst>
+            <a:rect l="l" t="t" r="r" b="b"/>
+            <a:pathLst>
+              <a:path w="1282535" h="1021278">
+                <a:moveTo>
+                  <a:pt x="201881" y="439387"/>
+                </a:moveTo>
+                <a:lnTo>
+                  <a:pt x="748146" y="1021278"/>
+                </a:lnTo>
+                <a:lnTo>
+                  <a:pt x="1282535" y="0"/>
+                </a:lnTo>
+                <a:lnTo>
+                  <a:pt x="285008" y="95003"/>
+                </a:lnTo>
+                <a:lnTo>
+                  <a:pt x="0" y="225631"/>
+                </a:lnTo>
+                <a:lnTo>
+                  <a:pt x="201881" y="439387"/>
+                </a:lnTo>
+                <a:close/>
+              </a:path>
+            </a:pathLst>
+          </a:custGeom>
+          <a:noFill/>
+          <a:ln w="25400">
+            <a:solidFill>
+              <a:schemeClr val="tx1"/>
+            </a:solidFill>
+          </a:ln>
+        </p:spPr>
+        <p:style>
+          <a:lnRef idx="2">
+            <a:schemeClr val="accent1">
+              <a:shade val="50000"/>
+            </a:schemeClr>
+          </a:lnRef>
+          <a:fillRef idx="1">
+            <a:schemeClr val="accent1"/>
+          </a:fillRef>
+          <a:effectRef idx="0">
+            <a:schemeClr val="accent1"/>
+          </a:effectRef>
+          <a:fontRef idx="minor">
+            <a:schemeClr val="lt1"/>
+          </a:fontRef>
+        </p:style>
+        <p:txBody>
+          <a:bodyPr rtlCol="0" anchor="ctr"/>
+          <a:lstStyle/>
+          <a:p>
+            <a:pPr algn="ctr"/>
+            <a:endParaRPr lang="en-US"/>
+          </a:p>
+        </p:txBody>
+      </p:sp>
+      <p:pic>
+        <p:nvPicPr>
+          <p:cNvPr id="20" name="Picture 19" descr="A close up of a speaker&#10;&#10;Description automatically generated">
+            <a:extLst>
+              <a:ext uri="{FF2B5EF4-FFF2-40B4-BE49-F238E27FC236}">
+                <a16:creationId xmlns:a16="http://schemas.microsoft.com/office/drawing/2014/main" id="{42719577-CB89-FB4D-8430-31ABC87A661E}"/>
+              </a:ext>
+            </a:extLst>
+          </p:cNvPr>
+          <p:cNvPicPr>
+            <a:picLocks noChangeAspect="1"/>
+          </p:cNvPicPr>
+          <p:nvPr/>
+        </p:nvPicPr>
+        <p:blipFill rotWithShape="1">
+          <a:blip r:embed="rId6"/>
+          <a:srcRect l="1780" r="66070"/>
+          <a:stretch/>
+        </p:blipFill>
+        <p:spPr>
+          <a:xfrm>
+            <a:off x="1155033" y="4412849"/>
+            <a:ext cx="783939" cy="2032000"/>
+          </a:xfrm>
+          <a:prstGeom prst="rect">
+            <a:avLst/>
+          </a:prstGeom>
+        </p:spPr>
+      </p:pic>
+      <p:pic>
+        <p:nvPicPr>
+          <p:cNvPr id="21" name="Picture 20" descr="A close up of a speaker&#10;&#10;Description automatically generated">
+            <a:extLst>
+              <a:ext uri="{FF2B5EF4-FFF2-40B4-BE49-F238E27FC236}">
+                <a16:creationId xmlns:a16="http://schemas.microsoft.com/office/drawing/2014/main" id="{BBC53A08-2504-4842-9D41-9EE3BF48E48D}"/>
+              </a:ext>
+            </a:extLst>
+          </p:cNvPr>
+          <p:cNvPicPr>
+            <a:picLocks noChangeAspect="1"/>
+          </p:cNvPicPr>
+          <p:nvPr/>
+        </p:nvPicPr>
+        <p:blipFill rotWithShape="1">
+          <a:blip r:embed="rId6"/>
+          <a:srcRect l="34416" r="33434"/>
+          <a:stretch/>
+        </p:blipFill>
+        <p:spPr>
+          <a:xfrm>
+            <a:off x="4235803" y="4412849"/>
+            <a:ext cx="783940" cy="2032000"/>
+          </a:xfrm>
+          <a:prstGeom prst="rect">
+            <a:avLst/>
+          </a:prstGeom>
+        </p:spPr>
+      </p:pic>
+      <p:pic>
+        <p:nvPicPr>
+          <p:cNvPr id="22" name="Picture 21" descr="A close up of a speaker&#10;&#10;Description automatically generated">
+            <a:extLst>
+              <a:ext uri="{FF2B5EF4-FFF2-40B4-BE49-F238E27FC236}">
+                <a16:creationId xmlns:a16="http://schemas.microsoft.com/office/drawing/2014/main" id="{38D159CD-BEE1-3040-A599-D820EDA2A188}"/>
+              </a:ext>
+            </a:extLst>
+          </p:cNvPr>
+          <p:cNvPicPr>
+            <a:picLocks noChangeAspect="1"/>
+          </p:cNvPicPr>
+          <p:nvPr/>
+        </p:nvPicPr>
+        <p:blipFill rotWithShape="1">
+          <a:blip r:embed="rId6"/>
+          <a:srcRect l="65738" r="2112"/>
+          <a:stretch/>
+        </p:blipFill>
+        <p:spPr>
+          <a:xfrm>
+            <a:off x="10270775" y="4412849"/>
+            <a:ext cx="783940" cy="2032000"/>
+          </a:xfrm>
+          <a:prstGeom prst="rect">
+            <a:avLst/>
+          </a:prstGeom>
+        </p:spPr>
+      </p:pic>
+      <p:pic>
+        <p:nvPicPr>
+          <p:cNvPr id="23" name="Picture 22" descr="A close up of a speaker&#10;&#10;Description automatically generated">
+            <a:extLst>
+              <a:ext uri="{FF2B5EF4-FFF2-40B4-BE49-F238E27FC236}">
+                <a16:creationId xmlns:a16="http://schemas.microsoft.com/office/drawing/2014/main" id="{E2042401-8C85-6E41-A7CD-E72D5687F816}"/>
+              </a:ext>
+            </a:extLst>
+          </p:cNvPr>
+          <p:cNvPicPr>
+            <a:picLocks noChangeAspect="1"/>
+          </p:cNvPicPr>
+          <p:nvPr/>
+        </p:nvPicPr>
+        <p:blipFill rotWithShape="1">
+          <a:blip r:embed="rId6"/>
+          <a:srcRect l="34416" r="33434"/>
+          <a:stretch/>
+        </p:blipFill>
+        <p:spPr>
+          <a:xfrm>
+            <a:off x="7274509" y="4422814"/>
+            <a:ext cx="783940" cy="2032000"/>
+          </a:xfrm>
+          <a:prstGeom prst="rect">
+            <a:avLst/>
+          </a:prstGeom>
+        </p:spPr>
+      </p:pic>
     </p:spTree>
     <p:extLst>
       <p:ext uri="{BB962C8B-B14F-4D97-AF65-F5344CB8AC3E}">
